--- a/1_SQL/2_PPT/16_Window Functions/Basic.pptx
+++ b/1_SQL/2_PPT/16_Window Functions/Basic.pptx
@@ -16,6 +16,11 @@
     <p:sldId id="270" r:id="rId10"/>
     <p:sldId id="272" r:id="rId11"/>
     <p:sldId id="275" r:id="rId12"/>
+    <p:sldId id="590" r:id="rId13"/>
+    <p:sldId id="591" r:id="rId14"/>
+    <p:sldId id="592" r:id="rId15"/>
+    <p:sldId id="593" r:id="rId16"/>
+    <p:sldId id="594" r:id="rId17"/>
   </p:sldIdLst>
   <p:sldSz cx="12192000" cy="6858000"/>
   <p:notesSz cx="6858000" cy="9144000"/>
@@ -144,7 +149,7 @@
           <p:cNvPr id="2" name="Title 1">
             <a:extLst>
               <a:ext uri="{FF2B5EF4-FFF2-40B4-BE49-F238E27FC236}">
-                <a16:creationId xmlns:a16="http://schemas.microsoft.com/office/drawing/2014/main" xmlns="" id="{B29607B2-B49B-4C52-A8C1-B54A41380DC7}"/>
+                <a16:creationId xmlns:a16="http://schemas.microsoft.com/office/drawing/2014/main" id="{B29607B2-B49B-4C52-A8C1-B54A41380DC7}"/>
               </a:ext>
             </a:extLst>
           </p:cNvPr>
@@ -181,7 +186,7 @@
           <p:cNvPr id="3" name="Subtitle 2">
             <a:extLst>
               <a:ext uri="{FF2B5EF4-FFF2-40B4-BE49-F238E27FC236}">
-                <a16:creationId xmlns:a16="http://schemas.microsoft.com/office/drawing/2014/main" xmlns="" id="{C2976DBD-C9B2-4FB6-84CB-604CF7F89068}"/>
+                <a16:creationId xmlns:a16="http://schemas.microsoft.com/office/drawing/2014/main" id="{C2976DBD-C9B2-4FB6-84CB-604CF7F89068}"/>
               </a:ext>
             </a:extLst>
           </p:cNvPr>
@@ -251,7 +256,7 @@
           <p:cNvPr id="4" name="Date Placeholder 3">
             <a:extLst>
               <a:ext uri="{FF2B5EF4-FFF2-40B4-BE49-F238E27FC236}">
-                <a16:creationId xmlns:a16="http://schemas.microsoft.com/office/drawing/2014/main" xmlns="" id="{B713DC56-D91C-43FF-BC01-0226685AE5D3}"/>
+                <a16:creationId xmlns:a16="http://schemas.microsoft.com/office/drawing/2014/main" id="{B713DC56-D91C-43FF-BC01-0226685AE5D3}"/>
               </a:ext>
             </a:extLst>
           </p:cNvPr>
@@ -269,7 +274,7 @@
           <a:p>
             <a:fld id="{35FF2C7E-BC90-4A22-A03F-BDABC9A7FBE5}" type="datetimeFigureOut">
               <a:rPr lang="en-US" smtClean="0"/>
-              <a:t>10/15/2022</a:t>
+              <a:t>11/9/2022</a:t>
             </a:fld>
             <a:endParaRPr lang="en-US"/>
           </a:p>
@@ -280,7 +285,7 @@
           <p:cNvPr id="5" name="Footer Placeholder 4">
             <a:extLst>
               <a:ext uri="{FF2B5EF4-FFF2-40B4-BE49-F238E27FC236}">
-                <a16:creationId xmlns:a16="http://schemas.microsoft.com/office/drawing/2014/main" xmlns="" id="{99D5EDFD-1628-471E-8C1D-4A692DC721DE}"/>
+                <a16:creationId xmlns:a16="http://schemas.microsoft.com/office/drawing/2014/main" id="{99D5EDFD-1628-471E-8C1D-4A692DC721DE}"/>
               </a:ext>
             </a:extLst>
           </p:cNvPr>
@@ -305,7 +310,7 @@
           <p:cNvPr id="6" name="Slide Number Placeholder 5">
             <a:extLst>
               <a:ext uri="{FF2B5EF4-FFF2-40B4-BE49-F238E27FC236}">
-                <a16:creationId xmlns:a16="http://schemas.microsoft.com/office/drawing/2014/main" xmlns="" id="{3EA8F3CB-47F5-41E6-AB74-5C4FA54C3D3D}"/>
+                <a16:creationId xmlns:a16="http://schemas.microsoft.com/office/drawing/2014/main" id="{3EA8F3CB-47F5-41E6-AB74-5C4FA54C3D3D}"/>
               </a:ext>
             </a:extLst>
           </p:cNvPr>
@@ -364,7 +369,7 @@
           <p:cNvPr id="2" name="Title 1">
             <a:extLst>
               <a:ext uri="{FF2B5EF4-FFF2-40B4-BE49-F238E27FC236}">
-                <a16:creationId xmlns:a16="http://schemas.microsoft.com/office/drawing/2014/main" xmlns="" id="{EC6C9D14-DA9D-4B7B-AFBC-894FD61FD4AF}"/>
+                <a16:creationId xmlns:a16="http://schemas.microsoft.com/office/drawing/2014/main" id="{EC6C9D14-DA9D-4B7B-AFBC-894FD61FD4AF}"/>
               </a:ext>
             </a:extLst>
           </p:cNvPr>
@@ -392,7 +397,7 @@
           <p:cNvPr id="3" name="Vertical Text Placeholder 2">
             <a:extLst>
               <a:ext uri="{FF2B5EF4-FFF2-40B4-BE49-F238E27FC236}">
-                <a16:creationId xmlns:a16="http://schemas.microsoft.com/office/drawing/2014/main" xmlns="" id="{8CD557A7-9173-4A59-AF1E-00B4DAF142DD}"/>
+                <a16:creationId xmlns:a16="http://schemas.microsoft.com/office/drawing/2014/main" id="{8CD557A7-9173-4A59-AF1E-00B4DAF142DD}"/>
               </a:ext>
             </a:extLst>
           </p:cNvPr>
@@ -449,7 +454,7 @@
           <p:cNvPr id="4" name="Date Placeholder 3">
             <a:extLst>
               <a:ext uri="{FF2B5EF4-FFF2-40B4-BE49-F238E27FC236}">
-                <a16:creationId xmlns:a16="http://schemas.microsoft.com/office/drawing/2014/main" xmlns="" id="{E728D7C7-50B8-493E-A279-2486BADA6851}"/>
+                <a16:creationId xmlns:a16="http://schemas.microsoft.com/office/drawing/2014/main" id="{E728D7C7-50B8-493E-A279-2486BADA6851}"/>
               </a:ext>
             </a:extLst>
           </p:cNvPr>
@@ -467,7 +472,7 @@
           <a:p>
             <a:fld id="{35FF2C7E-BC90-4A22-A03F-BDABC9A7FBE5}" type="datetimeFigureOut">
               <a:rPr lang="en-US" smtClean="0"/>
-              <a:t>10/15/2022</a:t>
+              <a:t>11/9/2022</a:t>
             </a:fld>
             <a:endParaRPr lang="en-US"/>
           </a:p>
@@ -478,7 +483,7 @@
           <p:cNvPr id="5" name="Footer Placeholder 4">
             <a:extLst>
               <a:ext uri="{FF2B5EF4-FFF2-40B4-BE49-F238E27FC236}">
-                <a16:creationId xmlns:a16="http://schemas.microsoft.com/office/drawing/2014/main" xmlns="" id="{97FAE7B7-7CF3-4969-98AA-8B5E8BCC7D55}"/>
+                <a16:creationId xmlns:a16="http://schemas.microsoft.com/office/drawing/2014/main" id="{97FAE7B7-7CF3-4969-98AA-8B5E8BCC7D55}"/>
               </a:ext>
             </a:extLst>
           </p:cNvPr>
@@ -503,7 +508,7 @@
           <p:cNvPr id="6" name="Slide Number Placeholder 5">
             <a:extLst>
               <a:ext uri="{FF2B5EF4-FFF2-40B4-BE49-F238E27FC236}">
-                <a16:creationId xmlns:a16="http://schemas.microsoft.com/office/drawing/2014/main" xmlns="" id="{C0A8CCEF-34EC-4187-86BC-F789944EB581}"/>
+                <a16:creationId xmlns:a16="http://schemas.microsoft.com/office/drawing/2014/main" id="{C0A8CCEF-34EC-4187-86BC-F789944EB581}"/>
               </a:ext>
             </a:extLst>
           </p:cNvPr>
@@ -562,7 +567,7 @@
           <p:cNvPr id="2" name="Vertical Title 1">
             <a:extLst>
               <a:ext uri="{FF2B5EF4-FFF2-40B4-BE49-F238E27FC236}">
-                <a16:creationId xmlns:a16="http://schemas.microsoft.com/office/drawing/2014/main" xmlns="" id="{175C7ED3-199C-4501-915E-56948718427B}"/>
+                <a16:creationId xmlns:a16="http://schemas.microsoft.com/office/drawing/2014/main" id="{175C7ED3-199C-4501-915E-56948718427B}"/>
               </a:ext>
             </a:extLst>
           </p:cNvPr>
@@ -595,7 +600,7 @@
           <p:cNvPr id="3" name="Vertical Text Placeholder 2">
             <a:extLst>
               <a:ext uri="{FF2B5EF4-FFF2-40B4-BE49-F238E27FC236}">
-                <a16:creationId xmlns:a16="http://schemas.microsoft.com/office/drawing/2014/main" xmlns="" id="{5ABCCF11-0EB7-4630-B66F-0B78DDEB873F}"/>
+                <a16:creationId xmlns:a16="http://schemas.microsoft.com/office/drawing/2014/main" id="{5ABCCF11-0EB7-4630-B66F-0B78DDEB873F}"/>
               </a:ext>
             </a:extLst>
           </p:cNvPr>
@@ -657,7 +662,7 @@
           <p:cNvPr id="4" name="Date Placeholder 3">
             <a:extLst>
               <a:ext uri="{FF2B5EF4-FFF2-40B4-BE49-F238E27FC236}">
-                <a16:creationId xmlns:a16="http://schemas.microsoft.com/office/drawing/2014/main" xmlns="" id="{8B5A8520-BA7D-4CEF-BE92-C46D1DDD2193}"/>
+                <a16:creationId xmlns:a16="http://schemas.microsoft.com/office/drawing/2014/main" id="{8B5A8520-BA7D-4CEF-BE92-C46D1DDD2193}"/>
               </a:ext>
             </a:extLst>
           </p:cNvPr>
@@ -675,7 +680,7 @@
           <a:p>
             <a:fld id="{35FF2C7E-BC90-4A22-A03F-BDABC9A7FBE5}" type="datetimeFigureOut">
               <a:rPr lang="en-US" smtClean="0"/>
-              <a:t>10/15/2022</a:t>
+              <a:t>11/9/2022</a:t>
             </a:fld>
             <a:endParaRPr lang="en-US"/>
           </a:p>
@@ -686,7 +691,7 @@
           <p:cNvPr id="5" name="Footer Placeholder 4">
             <a:extLst>
               <a:ext uri="{FF2B5EF4-FFF2-40B4-BE49-F238E27FC236}">
-                <a16:creationId xmlns:a16="http://schemas.microsoft.com/office/drawing/2014/main" xmlns="" id="{6BE37838-5421-4FDD-AFCF-E66F154C64FB}"/>
+                <a16:creationId xmlns:a16="http://schemas.microsoft.com/office/drawing/2014/main" id="{6BE37838-5421-4FDD-AFCF-E66F154C64FB}"/>
               </a:ext>
             </a:extLst>
           </p:cNvPr>
@@ -711,7 +716,7 @@
           <p:cNvPr id="6" name="Slide Number Placeholder 5">
             <a:extLst>
               <a:ext uri="{FF2B5EF4-FFF2-40B4-BE49-F238E27FC236}">
-                <a16:creationId xmlns:a16="http://schemas.microsoft.com/office/drawing/2014/main" xmlns="" id="{7B8638AD-99DE-40ED-917E-2A2D81D7117B}"/>
+                <a16:creationId xmlns:a16="http://schemas.microsoft.com/office/drawing/2014/main" id="{7B8638AD-99DE-40ED-917E-2A2D81D7117B}"/>
               </a:ext>
             </a:extLst>
           </p:cNvPr>
@@ -770,7 +775,7 @@
           <p:cNvPr id="2" name="Title 1">
             <a:extLst>
               <a:ext uri="{FF2B5EF4-FFF2-40B4-BE49-F238E27FC236}">
-                <a16:creationId xmlns:a16="http://schemas.microsoft.com/office/drawing/2014/main" xmlns="" id="{E073FE09-EE65-4B55-A378-416EFF162223}"/>
+                <a16:creationId xmlns:a16="http://schemas.microsoft.com/office/drawing/2014/main" id="{E073FE09-EE65-4B55-A378-416EFF162223}"/>
               </a:ext>
             </a:extLst>
           </p:cNvPr>
@@ -798,7 +803,7 @@
           <p:cNvPr id="3" name="Content Placeholder 2">
             <a:extLst>
               <a:ext uri="{FF2B5EF4-FFF2-40B4-BE49-F238E27FC236}">
-                <a16:creationId xmlns:a16="http://schemas.microsoft.com/office/drawing/2014/main" xmlns="" id="{9F08306E-F513-44FD-95EE-EE94F0FC91A9}"/>
+                <a16:creationId xmlns:a16="http://schemas.microsoft.com/office/drawing/2014/main" id="{9F08306E-F513-44FD-95EE-EE94F0FC91A9}"/>
               </a:ext>
             </a:extLst>
           </p:cNvPr>
@@ -855,7 +860,7 @@
           <p:cNvPr id="4" name="Date Placeholder 3">
             <a:extLst>
               <a:ext uri="{FF2B5EF4-FFF2-40B4-BE49-F238E27FC236}">
-                <a16:creationId xmlns:a16="http://schemas.microsoft.com/office/drawing/2014/main" xmlns="" id="{96A9BDEB-4B0B-470C-A58E-8B26C3B4AC71}"/>
+                <a16:creationId xmlns:a16="http://schemas.microsoft.com/office/drawing/2014/main" id="{96A9BDEB-4B0B-470C-A58E-8B26C3B4AC71}"/>
               </a:ext>
             </a:extLst>
           </p:cNvPr>
@@ -873,7 +878,7 @@
           <a:p>
             <a:fld id="{35FF2C7E-BC90-4A22-A03F-BDABC9A7FBE5}" type="datetimeFigureOut">
               <a:rPr lang="en-US" smtClean="0"/>
-              <a:t>10/15/2022</a:t>
+              <a:t>11/9/2022</a:t>
             </a:fld>
             <a:endParaRPr lang="en-US"/>
           </a:p>
@@ -884,7 +889,7 @@
           <p:cNvPr id="5" name="Footer Placeholder 4">
             <a:extLst>
               <a:ext uri="{FF2B5EF4-FFF2-40B4-BE49-F238E27FC236}">
-                <a16:creationId xmlns:a16="http://schemas.microsoft.com/office/drawing/2014/main" xmlns="" id="{00D42063-E0B6-46CB-B9C4-CCA4B35631E7}"/>
+                <a16:creationId xmlns:a16="http://schemas.microsoft.com/office/drawing/2014/main" id="{00D42063-E0B6-46CB-B9C4-CCA4B35631E7}"/>
               </a:ext>
             </a:extLst>
           </p:cNvPr>
@@ -909,7 +914,7 @@
           <p:cNvPr id="6" name="Slide Number Placeholder 5">
             <a:extLst>
               <a:ext uri="{FF2B5EF4-FFF2-40B4-BE49-F238E27FC236}">
-                <a16:creationId xmlns:a16="http://schemas.microsoft.com/office/drawing/2014/main" xmlns="" id="{2B67D791-8640-447D-B6D1-7166D7403ED0}"/>
+                <a16:creationId xmlns:a16="http://schemas.microsoft.com/office/drawing/2014/main" id="{2B67D791-8640-447D-B6D1-7166D7403ED0}"/>
               </a:ext>
             </a:extLst>
           </p:cNvPr>
@@ -968,7 +973,7 @@
           <p:cNvPr id="2" name="Title 1">
             <a:extLst>
               <a:ext uri="{FF2B5EF4-FFF2-40B4-BE49-F238E27FC236}">
-                <a16:creationId xmlns:a16="http://schemas.microsoft.com/office/drawing/2014/main" xmlns="" id="{32D7F5C7-C813-4809-A8AC-B7741A41445D}"/>
+                <a16:creationId xmlns:a16="http://schemas.microsoft.com/office/drawing/2014/main" id="{32D7F5C7-C813-4809-A8AC-B7741A41445D}"/>
               </a:ext>
             </a:extLst>
           </p:cNvPr>
@@ -1005,7 +1010,7 @@
           <p:cNvPr id="3" name="Text Placeholder 2">
             <a:extLst>
               <a:ext uri="{FF2B5EF4-FFF2-40B4-BE49-F238E27FC236}">
-                <a16:creationId xmlns:a16="http://schemas.microsoft.com/office/drawing/2014/main" xmlns="" id="{C5148EC4-0B25-41CA-8852-5DB2942582F7}"/>
+                <a16:creationId xmlns:a16="http://schemas.microsoft.com/office/drawing/2014/main" id="{C5148EC4-0B25-41CA-8852-5DB2942582F7}"/>
               </a:ext>
             </a:extLst>
           </p:cNvPr>
@@ -1130,7 +1135,7 @@
           <p:cNvPr id="4" name="Date Placeholder 3">
             <a:extLst>
               <a:ext uri="{FF2B5EF4-FFF2-40B4-BE49-F238E27FC236}">
-                <a16:creationId xmlns:a16="http://schemas.microsoft.com/office/drawing/2014/main" xmlns="" id="{ABB4D04C-C7B2-47F6-B294-FCE2DCC91DD6}"/>
+                <a16:creationId xmlns:a16="http://schemas.microsoft.com/office/drawing/2014/main" id="{ABB4D04C-C7B2-47F6-B294-FCE2DCC91DD6}"/>
               </a:ext>
             </a:extLst>
           </p:cNvPr>
@@ -1148,7 +1153,7 @@
           <a:p>
             <a:fld id="{35FF2C7E-BC90-4A22-A03F-BDABC9A7FBE5}" type="datetimeFigureOut">
               <a:rPr lang="en-US" smtClean="0"/>
-              <a:t>10/15/2022</a:t>
+              <a:t>11/9/2022</a:t>
             </a:fld>
             <a:endParaRPr lang="en-US"/>
           </a:p>
@@ -1159,7 +1164,7 @@
           <p:cNvPr id="5" name="Footer Placeholder 4">
             <a:extLst>
               <a:ext uri="{FF2B5EF4-FFF2-40B4-BE49-F238E27FC236}">
-                <a16:creationId xmlns:a16="http://schemas.microsoft.com/office/drawing/2014/main" xmlns="" id="{4A46DA20-37CD-4595-B79A-94B4E28344B3}"/>
+                <a16:creationId xmlns:a16="http://schemas.microsoft.com/office/drawing/2014/main" id="{4A46DA20-37CD-4595-B79A-94B4E28344B3}"/>
               </a:ext>
             </a:extLst>
           </p:cNvPr>
@@ -1184,7 +1189,7 @@
           <p:cNvPr id="6" name="Slide Number Placeholder 5">
             <a:extLst>
               <a:ext uri="{FF2B5EF4-FFF2-40B4-BE49-F238E27FC236}">
-                <a16:creationId xmlns:a16="http://schemas.microsoft.com/office/drawing/2014/main" xmlns="" id="{22E74566-D1FF-4DEE-9F4B-8B6552A401DC}"/>
+                <a16:creationId xmlns:a16="http://schemas.microsoft.com/office/drawing/2014/main" id="{22E74566-D1FF-4DEE-9F4B-8B6552A401DC}"/>
               </a:ext>
             </a:extLst>
           </p:cNvPr>
@@ -1243,7 +1248,7 @@
           <p:cNvPr id="2" name="Title 1">
             <a:extLst>
               <a:ext uri="{FF2B5EF4-FFF2-40B4-BE49-F238E27FC236}">
-                <a16:creationId xmlns:a16="http://schemas.microsoft.com/office/drawing/2014/main" xmlns="" id="{78CDBEB8-EB18-4C96-8015-F5CF818AF0E2}"/>
+                <a16:creationId xmlns:a16="http://schemas.microsoft.com/office/drawing/2014/main" id="{78CDBEB8-EB18-4C96-8015-F5CF818AF0E2}"/>
               </a:ext>
             </a:extLst>
           </p:cNvPr>
@@ -1271,7 +1276,7 @@
           <p:cNvPr id="3" name="Content Placeholder 2">
             <a:extLst>
               <a:ext uri="{FF2B5EF4-FFF2-40B4-BE49-F238E27FC236}">
-                <a16:creationId xmlns:a16="http://schemas.microsoft.com/office/drawing/2014/main" xmlns="" id="{97A440C6-3D85-4B75-B8D0-1FCE10FD21C5}"/>
+                <a16:creationId xmlns:a16="http://schemas.microsoft.com/office/drawing/2014/main" id="{97A440C6-3D85-4B75-B8D0-1FCE10FD21C5}"/>
               </a:ext>
             </a:extLst>
           </p:cNvPr>
@@ -1333,7 +1338,7 @@
           <p:cNvPr id="4" name="Content Placeholder 3">
             <a:extLst>
               <a:ext uri="{FF2B5EF4-FFF2-40B4-BE49-F238E27FC236}">
-                <a16:creationId xmlns:a16="http://schemas.microsoft.com/office/drawing/2014/main" xmlns="" id="{DC092DF1-3923-49D0-9CA3-862A341EDC52}"/>
+                <a16:creationId xmlns:a16="http://schemas.microsoft.com/office/drawing/2014/main" id="{DC092DF1-3923-49D0-9CA3-862A341EDC52}"/>
               </a:ext>
             </a:extLst>
           </p:cNvPr>
@@ -1395,7 +1400,7 @@
           <p:cNvPr id="5" name="Date Placeholder 4">
             <a:extLst>
               <a:ext uri="{FF2B5EF4-FFF2-40B4-BE49-F238E27FC236}">
-                <a16:creationId xmlns:a16="http://schemas.microsoft.com/office/drawing/2014/main" xmlns="" id="{C2F8425A-A7A8-4617-A2A4-091970DC6F59}"/>
+                <a16:creationId xmlns:a16="http://schemas.microsoft.com/office/drawing/2014/main" id="{C2F8425A-A7A8-4617-A2A4-091970DC6F59}"/>
               </a:ext>
             </a:extLst>
           </p:cNvPr>
@@ -1413,7 +1418,7 @@
           <a:p>
             <a:fld id="{35FF2C7E-BC90-4A22-A03F-BDABC9A7FBE5}" type="datetimeFigureOut">
               <a:rPr lang="en-US" smtClean="0"/>
-              <a:t>10/15/2022</a:t>
+              <a:t>11/9/2022</a:t>
             </a:fld>
             <a:endParaRPr lang="en-US"/>
           </a:p>
@@ -1424,7 +1429,7 @@
           <p:cNvPr id="6" name="Footer Placeholder 5">
             <a:extLst>
               <a:ext uri="{FF2B5EF4-FFF2-40B4-BE49-F238E27FC236}">
-                <a16:creationId xmlns:a16="http://schemas.microsoft.com/office/drawing/2014/main" xmlns="" id="{69CB365C-395A-4897-B8E2-47D4A9ABF773}"/>
+                <a16:creationId xmlns:a16="http://schemas.microsoft.com/office/drawing/2014/main" id="{69CB365C-395A-4897-B8E2-47D4A9ABF773}"/>
               </a:ext>
             </a:extLst>
           </p:cNvPr>
@@ -1449,7 +1454,7 @@
           <p:cNvPr id="7" name="Slide Number Placeholder 6">
             <a:extLst>
               <a:ext uri="{FF2B5EF4-FFF2-40B4-BE49-F238E27FC236}">
-                <a16:creationId xmlns:a16="http://schemas.microsoft.com/office/drawing/2014/main" xmlns="" id="{47BC87D9-7EBA-49FA-AC3E-55473F1F6CCB}"/>
+                <a16:creationId xmlns:a16="http://schemas.microsoft.com/office/drawing/2014/main" id="{47BC87D9-7EBA-49FA-AC3E-55473F1F6CCB}"/>
               </a:ext>
             </a:extLst>
           </p:cNvPr>
@@ -1508,7 +1513,7 @@
           <p:cNvPr id="2" name="Title 1">
             <a:extLst>
               <a:ext uri="{FF2B5EF4-FFF2-40B4-BE49-F238E27FC236}">
-                <a16:creationId xmlns:a16="http://schemas.microsoft.com/office/drawing/2014/main" xmlns="" id="{ACD0D177-0314-46F7-9AF5-2270B46DD925}"/>
+                <a16:creationId xmlns:a16="http://schemas.microsoft.com/office/drawing/2014/main" id="{ACD0D177-0314-46F7-9AF5-2270B46DD925}"/>
               </a:ext>
             </a:extLst>
           </p:cNvPr>
@@ -1541,7 +1546,7 @@
           <p:cNvPr id="3" name="Text Placeholder 2">
             <a:extLst>
               <a:ext uri="{FF2B5EF4-FFF2-40B4-BE49-F238E27FC236}">
-                <a16:creationId xmlns:a16="http://schemas.microsoft.com/office/drawing/2014/main" xmlns="" id="{4256DF9C-B51A-47B5-B762-E4C9728099EA}"/>
+                <a16:creationId xmlns:a16="http://schemas.microsoft.com/office/drawing/2014/main" id="{4256DF9C-B51A-47B5-B762-E4C9728099EA}"/>
               </a:ext>
             </a:extLst>
           </p:cNvPr>
@@ -1612,7 +1617,7 @@
           <p:cNvPr id="4" name="Content Placeholder 3">
             <a:extLst>
               <a:ext uri="{FF2B5EF4-FFF2-40B4-BE49-F238E27FC236}">
-                <a16:creationId xmlns:a16="http://schemas.microsoft.com/office/drawing/2014/main" xmlns="" id="{C55D5DB5-99EF-4C73-92B4-0877ED644367}"/>
+                <a16:creationId xmlns:a16="http://schemas.microsoft.com/office/drawing/2014/main" id="{C55D5DB5-99EF-4C73-92B4-0877ED644367}"/>
               </a:ext>
             </a:extLst>
           </p:cNvPr>
@@ -1674,7 +1679,7 @@
           <p:cNvPr id="5" name="Text Placeholder 4">
             <a:extLst>
               <a:ext uri="{FF2B5EF4-FFF2-40B4-BE49-F238E27FC236}">
-                <a16:creationId xmlns:a16="http://schemas.microsoft.com/office/drawing/2014/main" xmlns="" id="{3B41B8FD-0A29-4A1D-B3C8-B02FE6D7D4E8}"/>
+                <a16:creationId xmlns:a16="http://schemas.microsoft.com/office/drawing/2014/main" id="{3B41B8FD-0A29-4A1D-B3C8-B02FE6D7D4E8}"/>
               </a:ext>
             </a:extLst>
           </p:cNvPr>
@@ -1745,7 +1750,7 @@
           <p:cNvPr id="6" name="Content Placeholder 5">
             <a:extLst>
               <a:ext uri="{FF2B5EF4-FFF2-40B4-BE49-F238E27FC236}">
-                <a16:creationId xmlns:a16="http://schemas.microsoft.com/office/drawing/2014/main" xmlns="" id="{03054907-F518-43E6-A893-9E1B80A2F846}"/>
+                <a16:creationId xmlns:a16="http://schemas.microsoft.com/office/drawing/2014/main" id="{03054907-F518-43E6-A893-9E1B80A2F846}"/>
               </a:ext>
             </a:extLst>
           </p:cNvPr>
@@ -1807,7 +1812,7 @@
           <p:cNvPr id="7" name="Date Placeholder 6">
             <a:extLst>
               <a:ext uri="{FF2B5EF4-FFF2-40B4-BE49-F238E27FC236}">
-                <a16:creationId xmlns:a16="http://schemas.microsoft.com/office/drawing/2014/main" xmlns="" id="{CD9530BD-8832-4790-BAA2-014595DD5E50}"/>
+                <a16:creationId xmlns:a16="http://schemas.microsoft.com/office/drawing/2014/main" id="{CD9530BD-8832-4790-BAA2-014595DD5E50}"/>
               </a:ext>
             </a:extLst>
           </p:cNvPr>
@@ -1825,7 +1830,7 @@
           <a:p>
             <a:fld id="{35FF2C7E-BC90-4A22-A03F-BDABC9A7FBE5}" type="datetimeFigureOut">
               <a:rPr lang="en-US" smtClean="0"/>
-              <a:t>10/15/2022</a:t>
+              <a:t>11/9/2022</a:t>
             </a:fld>
             <a:endParaRPr lang="en-US"/>
           </a:p>
@@ -1836,7 +1841,7 @@
           <p:cNvPr id="8" name="Footer Placeholder 7">
             <a:extLst>
               <a:ext uri="{FF2B5EF4-FFF2-40B4-BE49-F238E27FC236}">
-                <a16:creationId xmlns:a16="http://schemas.microsoft.com/office/drawing/2014/main" xmlns="" id="{7979838C-5A8C-4498-953E-8A9374F837D6}"/>
+                <a16:creationId xmlns:a16="http://schemas.microsoft.com/office/drawing/2014/main" id="{7979838C-5A8C-4498-953E-8A9374F837D6}"/>
               </a:ext>
             </a:extLst>
           </p:cNvPr>
@@ -1861,7 +1866,7 @@
           <p:cNvPr id="9" name="Slide Number Placeholder 8">
             <a:extLst>
               <a:ext uri="{FF2B5EF4-FFF2-40B4-BE49-F238E27FC236}">
-                <a16:creationId xmlns:a16="http://schemas.microsoft.com/office/drawing/2014/main" xmlns="" id="{2C51C4A0-3EBC-4584-9330-DBBF4A0049CF}"/>
+                <a16:creationId xmlns:a16="http://schemas.microsoft.com/office/drawing/2014/main" id="{2C51C4A0-3EBC-4584-9330-DBBF4A0049CF}"/>
               </a:ext>
             </a:extLst>
           </p:cNvPr>
@@ -1920,7 +1925,7 @@
           <p:cNvPr id="2" name="Title 1">
             <a:extLst>
               <a:ext uri="{FF2B5EF4-FFF2-40B4-BE49-F238E27FC236}">
-                <a16:creationId xmlns:a16="http://schemas.microsoft.com/office/drawing/2014/main" xmlns="" id="{7A322871-DC62-4FBB-80C7-2E70EB3DE8FE}"/>
+                <a16:creationId xmlns:a16="http://schemas.microsoft.com/office/drawing/2014/main" id="{7A322871-DC62-4FBB-80C7-2E70EB3DE8FE}"/>
               </a:ext>
             </a:extLst>
           </p:cNvPr>
@@ -1948,7 +1953,7 @@
           <p:cNvPr id="3" name="Date Placeholder 2">
             <a:extLst>
               <a:ext uri="{FF2B5EF4-FFF2-40B4-BE49-F238E27FC236}">
-                <a16:creationId xmlns:a16="http://schemas.microsoft.com/office/drawing/2014/main" xmlns="" id="{E16F25B5-C130-4BB8-84E6-4B2B47C9D5D3}"/>
+                <a16:creationId xmlns:a16="http://schemas.microsoft.com/office/drawing/2014/main" id="{E16F25B5-C130-4BB8-84E6-4B2B47C9D5D3}"/>
               </a:ext>
             </a:extLst>
           </p:cNvPr>
@@ -1966,7 +1971,7 @@
           <a:p>
             <a:fld id="{35FF2C7E-BC90-4A22-A03F-BDABC9A7FBE5}" type="datetimeFigureOut">
               <a:rPr lang="en-US" smtClean="0"/>
-              <a:t>10/15/2022</a:t>
+              <a:t>11/9/2022</a:t>
             </a:fld>
             <a:endParaRPr lang="en-US"/>
           </a:p>
@@ -1977,7 +1982,7 @@
           <p:cNvPr id="4" name="Footer Placeholder 3">
             <a:extLst>
               <a:ext uri="{FF2B5EF4-FFF2-40B4-BE49-F238E27FC236}">
-                <a16:creationId xmlns:a16="http://schemas.microsoft.com/office/drawing/2014/main" xmlns="" id="{3F197355-CBE2-4F3A-A7BE-243BDA22BA53}"/>
+                <a16:creationId xmlns:a16="http://schemas.microsoft.com/office/drawing/2014/main" id="{3F197355-CBE2-4F3A-A7BE-243BDA22BA53}"/>
               </a:ext>
             </a:extLst>
           </p:cNvPr>
@@ -2002,7 +2007,7 @@
           <p:cNvPr id="5" name="Slide Number Placeholder 4">
             <a:extLst>
               <a:ext uri="{FF2B5EF4-FFF2-40B4-BE49-F238E27FC236}">
-                <a16:creationId xmlns:a16="http://schemas.microsoft.com/office/drawing/2014/main" xmlns="" id="{E2AF2B01-9A52-4264-ADE1-E6D226C37736}"/>
+                <a16:creationId xmlns:a16="http://schemas.microsoft.com/office/drawing/2014/main" id="{E2AF2B01-9A52-4264-ADE1-E6D226C37736}"/>
               </a:ext>
             </a:extLst>
           </p:cNvPr>
@@ -2061,7 +2066,7 @@
           <p:cNvPr id="2" name="Date Placeholder 1">
             <a:extLst>
               <a:ext uri="{FF2B5EF4-FFF2-40B4-BE49-F238E27FC236}">
-                <a16:creationId xmlns:a16="http://schemas.microsoft.com/office/drawing/2014/main" xmlns="" id="{F1C10B95-F682-45F8-871A-8EAF3BDF75FA}"/>
+                <a16:creationId xmlns:a16="http://schemas.microsoft.com/office/drawing/2014/main" id="{F1C10B95-F682-45F8-871A-8EAF3BDF75FA}"/>
               </a:ext>
             </a:extLst>
           </p:cNvPr>
@@ -2079,7 +2084,7 @@
           <a:p>
             <a:fld id="{35FF2C7E-BC90-4A22-A03F-BDABC9A7FBE5}" type="datetimeFigureOut">
               <a:rPr lang="en-US" smtClean="0"/>
-              <a:t>10/15/2022</a:t>
+              <a:t>11/9/2022</a:t>
             </a:fld>
             <a:endParaRPr lang="en-US"/>
           </a:p>
@@ -2090,7 +2095,7 @@
           <p:cNvPr id="3" name="Footer Placeholder 2">
             <a:extLst>
               <a:ext uri="{FF2B5EF4-FFF2-40B4-BE49-F238E27FC236}">
-                <a16:creationId xmlns:a16="http://schemas.microsoft.com/office/drawing/2014/main" xmlns="" id="{D9112AD1-1B2E-4CD7-B0A7-203D234FB6BB}"/>
+                <a16:creationId xmlns:a16="http://schemas.microsoft.com/office/drawing/2014/main" id="{D9112AD1-1B2E-4CD7-B0A7-203D234FB6BB}"/>
               </a:ext>
             </a:extLst>
           </p:cNvPr>
@@ -2115,7 +2120,7 @@
           <p:cNvPr id="4" name="Slide Number Placeholder 3">
             <a:extLst>
               <a:ext uri="{FF2B5EF4-FFF2-40B4-BE49-F238E27FC236}">
-                <a16:creationId xmlns:a16="http://schemas.microsoft.com/office/drawing/2014/main" xmlns="" id="{A6BE1C00-06E2-46A0-B0B4-0D3468242E42}"/>
+                <a16:creationId xmlns:a16="http://schemas.microsoft.com/office/drawing/2014/main" id="{A6BE1C00-06E2-46A0-B0B4-0D3468242E42}"/>
               </a:ext>
             </a:extLst>
           </p:cNvPr>
@@ -2174,7 +2179,7 @@
           <p:cNvPr id="2" name="Title 1">
             <a:extLst>
               <a:ext uri="{FF2B5EF4-FFF2-40B4-BE49-F238E27FC236}">
-                <a16:creationId xmlns:a16="http://schemas.microsoft.com/office/drawing/2014/main" xmlns="" id="{B61F68E7-46DD-48FC-A3D4-FDFE8EE84606}"/>
+                <a16:creationId xmlns:a16="http://schemas.microsoft.com/office/drawing/2014/main" id="{B61F68E7-46DD-48FC-A3D4-FDFE8EE84606}"/>
               </a:ext>
             </a:extLst>
           </p:cNvPr>
@@ -2211,7 +2216,7 @@
           <p:cNvPr id="3" name="Content Placeholder 2">
             <a:extLst>
               <a:ext uri="{FF2B5EF4-FFF2-40B4-BE49-F238E27FC236}">
-                <a16:creationId xmlns:a16="http://schemas.microsoft.com/office/drawing/2014/main" xmlns="" id="{6C420094-E6F8-4E93-BF67-582D2FBD8FAD}"/>
+                <a16:creationId xmlns:a16="http://schemas.microsoft.com/office/drawing/2014/main" id="{6C420094-E6F8-4E93-BF67-582D2FBD8FAD}"/>
               </a:ext>
             </a:extLst>
           </p:cNvPr>
@@ -2301,7 +2306,7 @@
           <p:cNvPr id="4" name="Text Placeholder 3">
             <a:extLst>
               <a:ext uri="{FF2B5EF4-FFF2-40B4-BE49-F238E27FC236}">
-                <a16:creationId xmlns:a16="http://schemas.microsoft.com/office/drawing/2014/main" xmlns="" id="{08C6F0CE-A056-484A-A44C-87359CA87D0C}"/>
+                <a16:creationId xmlns:a16="http://schemas.microsoft.com/office/drawing/2014/main" id="{08C6F0CE-A056-484A-A44C-87359CA87D0C}"/>
               </a:ext>
             </a:extLst>
           </p:cNvPr>
@@ -2372,7 +2377,7 @@
           <p:cNvPr id="5" name="Date Placeholder 4">
             <a:extLst>
               <a:ext uri="{FF2B5EF4-FFF2-40B4-BE49-F238E27FC236}">
-                <a16:creationId xmlns:a16="http://schemas.microsoft.com/office/drawing/2014/main" xmlns="" id="{7807AB25-01CD-4518-BEBA-DCAB52B23A8A}"/>
+                <a16:creationId xmlns:a16="http://schemas.microsoft.com/office/drawing/2014/main" id="{7807AB25-01CD-4518-BEBA-DCAB52B23A8A}"/>
               </a:ext>
             </a:extLst>
           </p:cNvPr>
@@ -2390,7 +2395,7 @@
           <a:p>
             <a:fld id="{35FF2C7E-BC90-4A22-A03F-BDABC9A7FBE5}" type="datetimeFigureOut">
               <a:rPr lang="en-US" smtClean="0"/>
-              <a:t>10/15/2022</a:t>
+              <a:t>11/9/2022</a:t>
             </a:fld>
             <a:endParaRPr lang="en-US"/>
           </a:p>
@@ -2401,7 +2406,7 @@
           <p:cNvPr id="6" name="Footer Placeholder 5">
             <a:extLst>
               <a:ext uri="{FF2B5EF4-FFF2-40B4-BE49-F238E27FC236}">
-                <a16:creationId xmlns:a16="http://schemas.microsoft.com/office/drawing/2014/main" xmlns="" id="{B508BDAD-2673-4659-B47D-54401CF3F9F1}"/>
+                <a16:creationId xmlns:a16="http://schemas.microsoft.com/office/drawing/2014/main" id="{B508BDAD-2673-4659-B47D-54401CF3F9F1}"/>
               </a:ext>
             </a:extLst>
           </p:cNvPr>
@@ -2426,7 +2431,7 @@
           <p:cNvPr id="7" name="Slide Number Placeholder 6">
             <a:extLst>
               <a:ext uri="{FF2B5EF4-FFF2-40B4-BE49-F238E27FC236}">
-                <a16:creationId xmlns:a16="http://schemas.microsoft.com/office/drawing/2014/main" xmlns="" id="{539678DF-0660-421E-89D6-90B714F49836}"/>
+                <a16:creationId xmlns:a16="http://schemas.microsoft.com/office/drawing/2014/main" id="{539678DF-0660-421E-89D6-90B714F49836}"/>
               </a:ext>
             </a:extLst>
           </p:cNvPr>
@@ -2485,7 +2490,7 @@
           <p:cNvPr id="2" name="Title 1">
             <a:extLst>
               <a:ext uri="{FF2B5EF4-FFF2-40B4-BE49-F238E27FC236}">
-                <a16:creationId xmlns:a16="http://schemas.microsoft.com/office/drawing/2014/main" xmlns="" id="{D94860DB-7916-4055-9EC4-70AAC8083F84}"/>
+                <a16:creationId xmlns:a16="http://schemas.microsoft.com/office/drawing/2014/main" id="{D94860DB-7916-4055-9EC4-70AAC8083F84}"/>
               </a:ext>
             </a:extLst>
           </p:cNvPr>
@@ -2522,7 +2527,7 @@
           <p:cNvPr id="3" name="Picture Placeholder 2">
             <a:extLst>
               <a:ext uri="{FF2B5EF4-FFF2-40B4-BE49-F238E27FC236}">
-                <a16:creationId xmlns:a16="http://schemas.microsoft.com/office/drawing/2014/main" xmlns="" id="{78775CD7-BD0C-4EE2-B4E1-6C3799DEB4F1}"/>
+                <a16:creationId xmlns:a16="http://schemas.microsoft.com/office/drawing/2014/main" id="{78775CD7-BD0C-4EE2-B4E1-6C3799DEB4F1}"/>
               </a:ext>
             </a:extLst>
           </p:cNvPr>
@@ -2589,7 +2594,7 @@
           <p:cNvPr id="4" name="Text Placeholder 3">
             <a:extLst>
               <a:ext uri="{FF2B5EF4-FFF2-40B4-BE49-F238E27FC236}">
-                <a16:creationId xmlns:a16="http://schemas.microsoft.com/office/drawing/2014/main" xmlns="" id="{79C945E8-2DBF-4C4E-84AD-8C25BF0CABBC}"/>
+                <a16:creationId xmlns:a16="http://schemas.microsoft.com/office/drawing/2014/main" id="{79C945E8-2DBF-4C4E-84AD-8C25BF0CABBC}"/>
               </a:ext>
             </a:extLst>
           </p:cNvPr>
@@ -2660,7 +2665,7 @@
           <p:cNvPr id="5" name="Date Placeholder 4">
             <a:extLst>
               <a:ext uri="{FF2B5EF4-FFF2-40B4-BE49-F238E27FC236}">
-                <a16:creationId xmlns:a16="http://schemas.microsoft.com/office/drawing/2014/main" xmlns="" id="{51E2BE03-7C0A-4BD6-BD43-A1CA6C3B5ADE}"/>
+                <a16:creationId xmlns:a16="http://schemas.microsoft.com/office/drawing/2014/main" id="{51E2BE03-7C0A-4BD6-BD43-A1CA6C3B5ADE}"/>
               </a:ext>
             </a:extLst>
           </p:cNvPr>
@@ -2678,7 +2683,7 @@
           <a:p>
             <a:fld id="{35FF2C7E-BC90-4A22-A03F-BDABC9A7FBE5}" type="datetimeFigureOut">
               <a:rPr lang="en-US" smtClean="0"/>
-              <a:t>10/15/2022</a:t>
+              <a:t>11/9/2022</a:t>
             </a:fld>
             <a:endParaRPr lang="en-US"/>
           </a:p>
@@ -2689,7 +2694,7 @@
           <p:cNvPr id="6" name="Footer Placeholder 5">
             <a:extLst>
               <a:ext uri="{FF2B5EF4-FFF2-40B4-BE49-F238E27FC236}">
-                <a16:creationId xmlns:a16="http://schemas.microsoft.com/office/drawing/2014/main" xmlns="" id="{F83BB7C5-3F5D-4B75-B63B-BCA1869F69E0}"/>
+                <a16:creationId xmlns:a16="http://schemas.microsoft.com/office/drawing/2014/main" id="{F83BB7C5-3F5D-4B75-B63B-BCA1869F69E0}"/>
               </a:ext>
             </a:extLst>
           </p:cNvPr>
@@ -2714,7 +2719,7 @@
           <p:cNvPr id="7" name="Slide Number Placeholder 6">
             <a:extLst>
               <a:ext uri="{FF2B5EF4-FFF2-40B4-BE49-F238E27FC236}">
-                <a16:creationId xmlns:a16="http://schemas.microsoft.com/office/drawing/2014/main" xmlns="" id="{E6003724-5F69-4C73-B25C-C1C6ACF1F703}"/>
+                <a16:creationId xmlns:a16="http://schemas.microsoft.com/office/drawing/2014/main" id="{E6003724-5F69-4C73-B25C-C1C6ACF1F703}"/>
               </a:ext>
             </a:extLst>
           </p:cNvPr>
@@ -2778,7 +2783,7 @@
           <p:cNvPr id="2" name="Title Placeholder 1">
             <a:extLst>
               <a:ext uri="{FF2B5EF4-FFF2-40B4-BE49-F238E27FC236}">
-                <a16:creationId xmlns:a16="http://schemas.microsoft.com/office/drawing/2014/main" xmlns="" id="{F78F899B-CA68-46FA-8872-41AB2068041F}"/>
+                <a16:creationId xmlns:a16="http://schemas.microsoft.com/office/drawing/2014/main" id="{F78F899B-CA68-46FA-8872-41AB2068041F}"/>
               </a:ext>
             </a:extLst>
           </p:cNvPr>
@@ -2816,7 +2821,7 @@
           <p:cNvPr id="3" name="Text Placeholder 2">
             <a:extLst>
               <a:ext uri="{FF2B5EF4-FFF2-40B4-BE49-F238E27FC236}">
-                <a16:creationId xmlns:a16="http://schemas.microsoft.com/office/drawing/2014/main" xmlns="" id="{E674B8C2-D7BD-4FD2-9748-2743A6C216A0}"/>
+                <a16:creationId xmlns:a16="http://schemas.microsoft.com/office/drawing/2014/main" id="{E674B8C2-D7BD-4FD2-9748-2743A6C216A0}"/>
               </a:ext>
             </a:extLst>
           </p:cNvPr>
@@ -2883,7 +2888,7 @@
           <p:cNvPr id="4" name="Date Placeholder 3">
             <a:extLst>
               <a:ext uri="{FF2B5EF4-FFF2-40B4-BE49-F238E27FC236}">
-                <a16:creationId xmlns:a16="http://schemas.microsoft.com/office/drawing/2014/main" xmlns="" id="{11D1A4F8-9F51-41C4-A570-5FCB9127720E}"/>
+                <a16:creationId xmlns:a16="http://schemas.microsoft.com/office/drawing/2014/main" id="{11D1A4F8-9F51-41C4-A570-5FCB9127720E}"/>
               </a:ext>
             </a:extLst>
           </p:cNvPr>
@@ -2919,7 +2924,7 @@
           <a:p>
             <a:fld id="{35FF2C7E-BC90-4A22-A03F-BDABC9A7FBE5}" type="datetimeFigureOut">
               <a:rPr lang="en-US" smtClean="0"/>
-              <a:t>10/15/2022</a:t>
+              <a:t>11/9/2022</a:t>
             </a:fld>
             <a:endParaRPr lang="en-US"/>
           </a:p>
@@ -2930,7 +2935,7 @@
           <p:cNvPr id="5" name="Footer Placeholder 4">
             <a:extLst>
               <a:ext uri="{FF2B5EF4-FFF2-40B4-BE49-F238E27FC236}">
-                <a16:creationId xmlns:a16="http://schemas.microsoft.com/office/drawing/2014/main" xmlns="" id="{C9C1B3D1-8CB1-4006-BABE-03BF7186C08B}"/>
+                <a16:creationId xmlns:a16="http://schemas.microsoft.com/office/drawing/2014/main" id="{C9C1B3D1-8CB1-4006-BABE-03BF7186C08B}"/>
               </a:ext>
             </a:extLst>
           </p:cNvPr>
@@ -2973,7 +2978,7 @@
           <p:cNvPr id="6" name="Slide Number Placeholder 5">
             <a:extLst>
               <a:ext uri="{FF2B5EF4-FFF2-40B4-BE49-F238E27FC236}">
-                <a16:creationId xmlns:a16="http://schemas.microsoft.com/office/drawing/2014/main" xmlns="" id="{C753F452-0C99-406A-8CA6-C8BDBFA5C5E6}"/>
+                <a16:creationId xmlns:a16="http://schemas.microsoft.com/office/drawing/2014/main" id="{C753F452-0C99-406A-8CA6-C8BDBFA5C5E6}"/>
               </a:ext>
             </a:extLst>
           </p:cNvPr>
@@ -3341,7 +3346,7 @@
           <p:cNvPr id="4" name="Picture 3">
             <a:extLst>
               <a:ext uri="{FF2B5EF4-FFF2-40B4-BE49-F238E27FC236}">
-                <a16:creationId xmlns:a16="http://schemas.microsoft.com/office/drawing/2014/main" xmlns="" id="{B6C35024-D7D5-4ED4-B1F9-806B313DA54D}"/>
+                <a16:creationId xmlns:a16="http://schemas.microsoft.com/office/drawing/2014/main" id="{B6C35024-D7D5-4ED4-B1F9-806B313DA54D}"/>
               </a:ext>
             </a:extLst>
           </p:cNvPr>
@@ -3375,7 +3380,7 @@
           <p:cNvPr id="5" name="TextBox 4">
             <a:extLst>
               <a:ext uri="{FF2B5EF4-FFF2-40B4-BE49-F238E27FC236}">
-                <a16:creationId xmlns:a16="http://schemas.microsoft.com/office/drawing/2014/main" xmlns="" id="{678F78FC-51BC-45E4-AFA7-B32384169AE4}"/>
+                <a16:creationId xmlns:a16="http://schemas.microsoft.com/office/drawing/2014/main" id="{678F78FC-51BC-45E4-AFA7-B32384169AE4}"/>
               </a:ext>
             </a:extLst>
           </p:cNvPr>
@@ -3448,7 +3453,7 @@
           <p:cNvPr id="3" name="Picture 2">
             <a:extLst>
               <a:ext uri="{FF2B5EF4-FFF2-40B4-BE49-F238E27FC236}">
-                <a16:creationId xmlns:a16="http://schemas.microsoft.com/office/drawing/2014/main" xmlns="" id="{092B5552-816A-43A2-A4E8-1AF30C43BCA7}"/>
+                <a16:creationId xmlns:a16="http://schemas.microsoft.com/office/drawing/2014/main" id="{092B5552-816A-43A2-A4E8-1AF30C43BCA7}"/>
               </a:ext>
             </a:extLst>
           </p:cNvPr>
@@ -3482,7 +3487,7 @@
           <p:cNvPr id="5" name="Picture 4">
             <a:extLst>
               <a:ext uri="{FF2B5EF4-FFF2-40B4-BE49-F238E27FC236}">
-                <a16:creationId xmlns:a16="http://schemas.microsoft.com/office/drawing/2014/main" xmlns="" id="{524A4FC1-6393-421B-AD8A-0FD86B375B4C}"/>
+                <a16:creationId xmlns:a16="http://schemas.microsoft.com/office/drawing/2014/main" id="{524A4FC1-6393-421B-AD8A-0FD86B375B4C}"/>
               </a:ext>
             </a:extLst>
           </p:cNvPr>
@@ -3516,7 +3521,7 @@
           <p:cNvPr id="7" name="Picture 6">
             <a:extLst>
               <a:ext uri="{FF2B5EF4-FFF2-40B4-BE49-F238E27FC236}">
-                <a16:creationId xmlns:a16="http://schemas.microsoft.com/office/drawing/2014/main" xmlns="" id="{259D3678-DA1E-46E4-B055-02E4EE6FD423}"/>
+                <a16:creationId xmlns:a16="http://schemas.microsoft.com/office/drawing/2014/main" id="{259D3678-DA1E-46E4-B055-02E4EE6FD423}"/>
               </a:ext>
             </a:extLst>
           </p:cNvPr>
@@ -3550,7 +3555,7 @@
           <p:cNvPr id="9" name="Picture 8">
             <a:extLst>
               <a:ext uri="{FF2B5EF4-FFF2-40B4-BE49-F238E27FC236}">
-                <a16:creationId xmlns:a16="http://schemas.microsoft.com/office/drawing/2014/main" xmlns="" id="{512B5F0A-DD17-405F-A998-45CCEFBF91A3}"/>
+                <a16:creationId xmlns:a16="http://schemas.microsoft.com/office/drawing/2014/main" id="{512B5F0A-DD17-405F-A998-45CCEFBF91A3}"/>
               </a:ext>
             </a:extLst>
           </p:cNvPr>
@@ -3584,7 +3589,7 @@
           <p:cNvPr id="2" name="Rectangle 1">
             <a:extLst>
               <a:ext uri="{FF2B5EF4-FFF2-40B4-BE49-F238E27FC236}">
-                <a16:creationId xmlns:a16="http://schemas.microsoft.com/office/drawing/2014/main" xmlns="" id="{A982A832-C3F8-4668-85A6-321C07798775}"/>
+                <a16:creationId xmlns:a16="http://schemas.microsoft.com/office/drawing/2014/main" id="{A982A832-C3F8-4668-85A6-321C07798775}"/>
               </a:ext>
             </a:extLst>
           </p:cNvPr>
@@ -3636,7 +3641,7 @@
           <p:cNvPr id="8" name="Rectangle 7">
             <a:extLst>
               <a:ext uri="{FF2B5EF4-FFF2-40B4-BE49-F238E27FC236}">
-                <a16:creationId xmlns:a16="http://schemas.microsoft.com/office/drawing/2014/main" xmlns="" id="{52C6263A-D7E5-446A-94FD-AA0F9A6A138A}"/>
+                <a16:creationId xmlns:a16="http://schemas.microsoft.com/office/drawing/2014/main" id="{52C6263A-D7E5-446A-94FD-AA0F9A6A138A}"/>
               </a:ext>
             </a:extLst>
           </p:cNvPr>
@@ -3688,7 +3693,7 @@
           <p:cNvPr id="10" name="Rectangle 9">
             <a:extLst>
               <a:ext uri="{FF2B5EF4-FFF2-40B4-BE49-F238E27FC236}">
-                <a16:creationId xmlns:a16="http://schemas.microsoft.com/office/drawing/2014/main" xmlns="" id="{BC24E541-7CBE-4881-8A0D-AF71B7062BB0}"/>
+                <a16:creationId xmlns:a16="http://schemas.microsoft.com/office/drawing/2014/main" id="{BC24E541-7CBE-4881-8A0D-AF71B7062BB0}"/>
               </a:ext>
             </a:extLst>
           </p:cNvPr>
@@ -3740,7 +3745,7 @@
           <p:cNvPr id="6" name="Picture 5">
             <a:extLst>
               <a:ext uri="{FF2B5EF4-FFF2-40B4-BE49-F238E27FC236}">
-                <a16:creationId xmlns:a16="http://schemas.microsoft.com/office/drawing/2014/main" xmlns="" id="{E9E02861-75DC-4644-BBBC-49C27FFEE5E8}"/>
+                <a16:creationId xmlns:a16="http://schemas.microsoft.com/office/drawing/2014/main" id="{E9E02861-75DC-4644-BBBC-49C27FFEE5E8}"/>
               </a:ext>
             </a:extLst>
           </p:cNvPr>
@@ -3775,7 +3780,7 @@
           <p:cNvPr id="11" name="Rectangle 10">
             <a:extLst>
               <a:ext uri="{FF2B5EF4-FFF2-40B4-BE49-F238E27FC236}">
-                <a16:creationId xmlns:a16="http://schemas.microsoft.com/office/drawing/2014/main" xmlns="" id="{9A262C83-2AFD-4A6B-BF4B-53010222930A}"/>
+                <a16:creationId xmlns:a16="http://schemas.microsoft.com/office/drawing/2014/main" id="{9A262C83-2AFD-4A6B-BF4B-53010222930A}"/>
               </a:ext>
             </a:extLst>
           </p:cNvPr>
@@ -3827,7 +3832,7 @@
           <p:cNvPr id="12" name="Rectangle 11">
             <a:extLst>
               <a:ext uri="{FF2B5EF4-FFF2-40B4-BE49-F238E27FC236}">
-                <a16:creationId xmlns:a16="http://schemas.microsoft.com/office/drawing/2014/main" xmlns="" id="{7F46A959-7F8D-47DA-91B8-D2C131A3C559}"/>
+                <a16:creationId xmlns:a16="http://schemas.microsoft.com/office/drawing/2014/main" id="{7F46A959-7F8D-47DA-91B8-D2C131A3C559}"/>
               </a:ext>
             </a:extLst>
           </p:cNvPr>
@@ -3879,7 +3884,7 @@
           <p:cNvPr id="13" name="Rectangle 12">
             <a:extLst>
               <a:ext uri="{FF2B5EF4-FFF2-40B4-BE49-F238E27FC236}">
-                <a16:creationId xmlns:a16="http://schemas.microsoft.com/office/drawing/2014/main" xmlns="" id="{E7818172-2C4F-4DE9-8BF0-7207BAFAD8B9}"/>
+                <a16:creationId xmlns:a16="http://schemas.microsoft.com/office/drawing/2014/main" id="{E7818172-2C4F-4DE9-8BF0-7207BAFAD8B9}"/>
               </a:ext>
             </a:extLst>
           </p:cNvPr>
@@ -3931,7 +3936,7 @@
           <p:cNvPr id="14" name="Rectangle 13">
             <a:extLst>
               <a:ext uri="{FF2B5EF4-FFF2-40B4-BE49-F238E27FC236}">
-                <a16:creationId xmlns:a16="http://schemas.microsoft.com/office/drawing/2014/main" xmlns="" id="{1F85BD78-5857-4EC6-B029-2927C713427A}"/>
+                <a16:creationId xmlns:a16="http://schemas.microsoft.com/office/drawing/2014/main" id="{1F85BD78-5857-4EC6-B029-2927C713427A}"/>
               </a:ext>
             </a:extLst>
           </p:cNvPr>
@@ -3983,7 +3988,7 @@
           <p:cNvPr id="15" name="Rectangle 14">
             <a:extLst>
               <a:ext uri="{FF2B5EF4-FFF2-40B4-BE49-F238E27FC236}">
-                <a16:creationId xmlns:a16="http://schemas.microsoft.com/office/drawing/2014/main" xmlns="" id="{75C904E5-3269-445D-9398-A5E2407B65D1}"/>
+                <a16:creationId xmlns:a16="http://schemas.microsoft.com/office/drawing/2014/main" id="{75C904E5-3269-445D-9398-A5E2407B65D1}"/>
               </a:ext>
             </a:extLst>
           </p:cNvPr>
@@ -4035,7 +4040,7 @@
           <p:cNvPr id="17" name="Picture 16">
             <a:extLst>
               <a:ext uri="{FF2B5EF4-FFF2-40B4-BE49-F238E27FC236}">
-                <a16:creationId xmlns:a16="http://schemas.microsoft.com/office/drawing/2014/main" xmlns="" id="{B4321487-30FA-4400-B1B6-63497D35EA9E}"/>
+                <a16:creationId xmlns:a16="http://schemas.microsoft.com/office/drawing/2014/main" id="{B4321487-30FA-4400-B1B6-63497D35EA9E}"/>
               </a:ext>
             </a:extLst>
           </p:cNvPr>
@@ -4070,7 +4075,7 @@
           <p:cNvPr id="18" name="Rectangle 17">
             <a:extLst>
               <a:ext uri="{FF2B5EF4-FFF2-40B4-BE49-F238E27FC236}">
-                <a16:creationId xmlns:a16="http://schemas.microsoft.com/office/drawing/2014/main" xmlns="" id="{50EBFACE-D9B4-4906-B4B8-7745F28884C7}"/>
+                <a16:creationId xmlns:a16="http://schemas.microsoft.com/office/drawing/2014/main" id="{50EBFACE-D9B4-4906-B4B8-7745F28884C7}"/>
               </a:ext>
             </a:extLst>
           </p:cNvPr>
@@ -4152,7 +4157,7 @@
           <p:cNvPr id="5" name="Picture 4">
             <a:extLst>
               <a:ext uri="{FF2B5EF4-FFF2-40B4-BE49-F238E27FC236}">
-                <a16:creationId xmlns:a16="http://schemas.microsoft.com/office/drawing/2014/main" xmlns="" id="{B760BF04-F2F2-4367-8EBF-64A70D2AFA7E}"/>
+                <a16:creationId xmlns:a16="http://schemas.microsoft.com/office/drawing/2014/main" id="{B760BF04-F2F2-4367-8EBF-64A70D2AFA7E}"/>
               </a:ext>
             </a:extLst>
           </p:cNvPr>
@@ -4180,6 +4185,327 @@
     <p:extLst>
       <p:ext uri="{BB962C8B-B14F-4D97-AF65-F5344CB8AC3E}">
         <p14:creationId xmlns:p14="http://schemas.microsoft.com/office/powerpoint/2010/main" val="3856715956"/>
+      </p:ext>
+    </p:extLst>
+  </p:cSld>
+  <p:clrMapOvr>
+    <a:masterClrMapping/>
+  </p:clrMapOvr>
+</p:sld>
+</file>
+
+<file path=ppt/slides/slide12.xml><?xml version="1.0" encoding="utf-8"?>
+<p:sld xmlns:a="http://schemas.openxmlformats.org/drawingml/2006/main" xmlns:r="http://schemas.openxmlformats.org/officeDocument/2006/relationships" xmlns:p="http://schemas.openxmlformats.org/presentationml/2006/main">
+  <p:cSld>
+    <p:spTree>
+      <p:nvGrpSpPr>
+        <p:cNvPr id="1" name=""/>
+        <p:cNvGrpSpPr/>
+        <p:nvPr/>
+      </p:nvGrpSpPr>
+      <p:grpSpPr>
+        <a:xfrm>
+          <a:off x="0" y="0"/>
+          <a:ext cx="0" cy="0"/>
+          <a:chOff x="0" y="0"/>
+          <a:chExt cx="0" cy="0"/>
+        </a:xfrm>
+      </p:grpSpPr>
+      <p:pic>
+        <p:nvPicPr>
+          <p:cNvPr id="3" name="Picture 2">
+            <a:extLst>
+              <a:ext uri="{FF2B5EF4-FFF2-40B4-BE49-F238E27FC236}">
+                <a16:creationId xmlns:a16="http://schemas.microsoft.com/office/drawing/2014/main" id="{AACE890C-2A57-4187-AB25-6428E0012F0B}"/>
+              </a:ext>
+            </a:extLst>
+          </p:cNvPr>
+          <p:cNvPicPr>
+            <a:picLocks noChangeAspect="1"/>
+          </p:cNvPicPr>
+          <p:nvPr/>
+        </p:nvPicPr>
+        <p:blipFill rotWithShape="1">
+          <a:blip r:embed="rId2"/>
+          <a:srcRect l="1506" r="7761" b="1569"/>
+          <a:stretch/>
+        </p:blipFill>
+        <p:spPr>
+          <a:xfrm>
+            <a:off x="298174" y="152955"/>
+            <a:ext cx="6589643" cy="6237905"/>
+          </a:xfrm>
+          <a:prstGeom prst="rect">
+            <a:avLst/>
+          </a:prstGeom>
+          <a:ln w="15875">
+            <a:solidFill>
+              <a:schemeClr val="tx1"/>
+            </a:solidFill>
+          </a:ln>
+        </p:spPr>
+      </p:pic>
+    </p:spTree>
+    <p:extLst>
+      <p:ext uri="{BB962C8B-B14F-4D97-AF65-F5344CB8AC3E}">
+        <p14:creationId xmlns:p14="http://schemas.microsoft.com/office/powerpoint/2010/main" val="2440917800"/>
+      </p:ext>
+    </p:extLst>
+  </p:cSld>
+  <p:clrMapOvr>
+    <a:masterClrMapping/>
+  </p:clrMapOvr>
+</p:sld>
+</file>
+
+<file path=ppt/slides/slide13.xml><?xml version="1.0" encoding="utf-8"?>
+<p:sld xmlns:a="http://schemas.openxmlformats.org/drawingml/2006/main" xmlns:r="http://schemas.openxmlformats.org/officeDocument/2006/relationships" xmlns:p="http://schemas.openxmlformats.org/presentationml/2006/main">
+  <p:cSld>
+    <p:spTree>
+      <p:nvGrpSpPr>
+        <p:cNvPr id="1" name=""/>
+        <p:cNvGrpSpPr/>
+        <p:nvPr/>
+      </p:nvGrpSpPr>
+      <p:grpSpPr>
+        <a:xfrm>
+          <a:off x="0" y="0"/>
+          <a:ext cx="0" cy="0"/>
+          <a:chOff x="0" y="0"/>
+          <a:chExt cx="0" cy="0"/>
+        </a:xfrm>
+      </p:grpSpPr>
+      <p:pic>
+        <p:nvPicPr>
+          <p:cNvPr id="3" name="Picture 2">
+            <a:extLst>
+              <a:ext uri="{FF2B5EF4-FFF2-40B4-BE49-F238E27FC236}">
+                <a16:creationId xmlns:a16="http://schemas.microsoft.com/office/drawing/2014/main" id="{64AD7E62-47A1-444B-8E26-4E769A576013}"/>
+              </a:ext>
+            </a:extLst>
+          </p:cNvPr>
+          <p:cNvPicPr>
+            <a:picLocks noChangeAspect="1"/>
+          </p:cNvPicPr>
+          <p:nvPr/>
+        </p:nvPicPr>
+        <p:blipFill>
+          <a:blip r:embed="rId2"/>
+          <a:stretch>
+            <a:fillRect/>
+          </a:stretch>
+        </p:blipFill>
+        <p:spPr>
+          <a:xfrm>
+            <a:off x="149087" y="148570"/>
+            <a:ext cx="11921284" cy="3737630"/>
+          </a:xfrm>
+          <a:prstGeom prst="rect">
+            <a:avLst/>
+          </a:prstGeom>
+          <a:ln w="15875">
+            <a:solidFill>
+              <a:schemeClr val="tx1"/>
+            </a:solidFill>
+          </a:ln>
+        </p:spPr>
+      </p:pic>
+    </p:spTree>
+    <p:extLst>
+      <p:ext uri="{BB962C8B-B14F-4D97-AF65-F5344CB8AC3E}">
+        <p14:creationId xmlns:p14="http://schemas.microsoft.com/office/powerpoint/2010/main" val="4059783707"/>
+      </p:ext>
+    </p:extLst>
+  </p:cSld>
+  <p:clrMapOvr>
+    <a:masterClrMapping/>
+  </p:clrMapOvr>
+</p:sld>
+</file>
+
+<file path=ppt/slides/slide14.xml><?xml version="1.0" encoding="utf-8"?>
+<p:sld xmlns:a="http://schemas.openxmlformats.org/drawingml/2006/main" xmlns:r="http://schemas.openxmlformats.org/officeDocument/2006/relationships" xmlns:p="http://schemas.openxmlformats.org/presentationml/2006/main">
+  <p:cSld>
+    <p:spTree>
+      <p:nvGrpSpPr>
+        <p:cNvPr id="1" name=""/>
+        <p:cNvGrpSpPr/>
+        <p:nvPr/>
+      </p:nvGrpSpPr>
+      <p:grpSpPr>
+        <a:xfrm>
+          <a:off x="0" y="0"/>
+          <a:ext cx="0" cy="0"/>
+          <a:chOff x="0" y="0"/>
+          <a:chExt cx="0" cy="0"/>
+        </a:xfrm>
+      </p:grpSpPr>
+      <p:pic>
+        <p:nvPicPr>
+          <p:cNvPr id="3" name="Picture 2">
+            <a:extLst>
+              <a:ext uri="{FF2B5EF4-FFF2-40B4-BE49-F238E27FC236}">
+                <a16:creationId xmlns:a16="http://schemas.microsoft.com/office/drawing/2014/main" id="{8B123B66-BE3A-445B-87DC-E8BCA69EA519}"/>
+              </a:ext>
+            </a:extLst>
+          </p:cNvPr>
+          <p:cNvPicPr>
+            <a:picLocks noChangeAspect="1"/>
+          </p:cNvPicPr>
+          <p:nvPr/>
+        </p:nvPicPr>
+        <p:blipFill rotWithShape="1">
+          <a:blip r:embed="rId2"/>
+          <a:srcRect l="1063" r="6488" b="1816"/>
+          <a:stretch/>
+        </p:blipFill>
+        <p:spPr>
+          <a:xfrm>
+            <a:off x="178904" y="178904"/>
+            <a:ext cx="6549887" cy="6023113"/>
+          </a:xfrm>
+          <a:prstGeom prst="rect">
+            <a:avLst/>
+          </a:prstGeom>
+          <a:ln w="15875">
+            <a:solidFill>
+              <a:schemeClr val="tx1"/>
+            </a:solidFill>
+          </a:ln>
+        </p:spPr>
+      </p:pic>
+    </p:spTree>
+    <p:extLst>
+      <p:ext uri="{BB962C8B-B14F-4D97-AF65-F5344CB8AC3E}">
+        <p14:creationId xmlns:p14="http://schemas.microsoft.com/office/powerpoint/2010/main" val="125655448"/>
+      </p:ext>
+    </p:extLst>
+  </p:cSld>
+  <p:clrMapOvr>
+    <a:masterClrMapping/>
+  </p:clrMapOvr>
+</p:sld>
+</file>
+
+<file path=ppt/slides/slide15.xml><?xml version="1.0" encoding="utf-8"?>
+<p:sld xmlns:a="http://schemas.openxmlformats.org/drawingml/2006/main" xmlns:r="http://schemas.openxmlformats.org/officeDocument/2006/relationships" xmlns:p="http://schemas.openxmlformats.org/presentationml/2006/main">
+  <p:cSld>
+    <p:spTree>
+      <p:nvGrpSpPr>
+        <p:cNvPr id="1" name=""/>
+        <p:cNvGrpSpPr/>
+        <p:nvPr/>
+      </p:nvGrpSpPr>
+      <p:grpSpPr>
+        <a:xfrm>
+          <a:off x="0" y="0"/>
+          <a:ext cx="0" cy="0"/>
+          <a:chOff x="0" y="0"/>
+          <a:chExt cx="0" cy="0"/>
+        </a:xfrm>
+      </p:grpSpPr>
+      <p:pic>
+        <p:nvPicPr>
+          <p:cNvPr id="3" name="Picture 2">
+            <a:extLst>
+              <a:ext uri="{FF2B5EF4-FFF2-40B4-BE49-F238E27FC236}">
+                <a16:creationId xmlns:a16="http://schemas.microsoft.com/office/drawing/2014/main" id="{5EC34E1B-B4C9-4730-A4A0-7AD6843CCEAC}"/>
+              </a:ext>
+            </a:extLst>
+          </p:cNvPr>
+          <p:cNvPicPr>
+            <a:picLocks noChangeAspect="1"/>
+          </p:cNvPicPr>
+          <p:nvPr/>
+        </p:nvPicPr>
+        <p:blipFill rotWithShape="1">
+          <a:blip r:embed="rId2"/>
+          <a:srcRect l="607" r="3764" b="1174"/>
+          <a:stretch/>
+        </p:blipFill>
+        <p:spPr>
+          <a:xfrm>
+            <a:off x="248478" y="141478"/>
+            <a:ext cx="9402418" cy="6497862"/>
+          </a:xfrm>
+          <a:prstGeom prst="rect">
+            <a:avLst/>
+          </a:prstGeom>
+          <a:ln w="15875">
+            <a:solidFill>
+              <a:schemeClr val="tx1"/>
+            </a:solidFill>
+          </a:ln>
+        </p:spPr>
+      </p:pic>
+    </p:spTree>
+    <p:extLst>
+      <p:ext uri="{BB962C8B-B14F-4D97-AF65-F5344CB8AC3E}">
+        <p14:creationId xmlns:p14="http://schemas.microsoft.com/office/powerpoint/2010/main" val="2273005483"/>
+      </p:ext>
+    </p:extLst>
+  </p:cSld>
+  <p:clrMapOvr>
+    <a:masterClrMapping/>
+  </p:clrMapOvr>
+</p:sld>
+</file>
+
+<file path=ppt/slides/slide16.xml><?xml version="1.0" encoding="utf-8"?>
+<p:sld xmlns:a="http://schemas.openxmlformats.org/drawingml/2006/main" xmlns:r="http://schemas.openxmlformats.org/officeDocument/2006/relationships" xmlns:p="http://schemas.openxmlformats.org/presentationml/2006/main">
+  <p:cSld>
+    <p:spTree>
+      <p:nvGrpSpPr>
+        <p:cNvPr id="1" name=""/>
+        <p:cNvGrpSpPr/>
+        <p:nvPr/>
+      </p:nvGrpSpPr>
+      <p:grpSpPr>
+        <a:xfrm>
+          <a:off x="0" y="0"/>
+          <a:ext cx="0" cy="0"/>
+          <a:chOff x="0" y="0"/>
+          <a:chExt cx="0" cy="0"/>
+        </a:xfrm>
+      </p:grpSpPr>
+      <p:pic>
+        <p:nvPicPr>
+          <p:cNvPr id="3" name="Picture 2">
+            <a:extLst>
+              <a:ext uri="{FF2B5EF4-FFF2-40B4-BE49-F238E27FC236}">
+                <a16:creationId xmlns:a16="http://schemas.microsoft.com/office/drawing/2014/main" id="{5FCD42FB-676D-471A-8CF7-C4ED9022F8D2}"/>
+              </a:ext>
+            </a:extLst>
+          </p:cNvPr>
+          <p:cNvPicPr>
+            <a:picLocks noChangeAspect="1"/>
+          </p:cNvPicPr>
+          <p:nvPr/>
+        </p:nvPicPr>
+        <p:blipFill rotWithShape="1">
+          <a:blip r:embed="rId2"/>
+          <a:srcRect r="3054"/>
+          <a:stretch/>
+        </p:blipFill>
+        <p:spPr>
+          <a:xfrm>
+            <a:off x="248479" y="192266"/>
+            <a:ext cx="10952921" cy="6473468"/>
+          </a:xfrm>
+          <a:prstGeom prst="rect">
+            <a:avLst/>
+          </a:prstGeom>
+          <a:ln w="15875">
+            <a:solidFill>
+              <a:schemeClr val="tx1"/>
+            </a:solidFill>
+          </a:ln>
+        </p:spPr>
+      </p:pic>
+    </p:spTree>
+    <p:extLst>
+      <p:ext uri="{BB962C8B-B14F-4D97-AF65-F5344CB8AC3E}">
+        <p14:creationId xmlns:p14="http://schemas.microsoft.com/office/powerpoint/2010/main" val="1091300369"/>
       </p:ext>
     </p:extLst>
   </p:cSld>
@@ -4211,7 +4537,7 @@
           <p:cNvPr id="5" name="Picture 4">
             <a:extLst>
               <a:ext uri="{FF2B5EF4-FFF2-40B4-BE49-F238E27FC236}">
-                <a16:creationId xmlns:a16="http://schemas.microsoft.com/office/drawing/2014/main" xmlns="" id="{C8053A51-FE64-4D0D-93B7-E2AA845C1953}"/>
+                <a16:creationId xmlns:a16="http://schemas.microsoft.com/office/drawing/2014/main" id="{C8053A51-FE64-4D0D-93B7-E2AA845C1953}"/>
               </a:ext>
             </a:extLst>
           </p:cNvPr>
@@ -4275,7 +4601,7 @@
           <p:cNvPr id="5" name="Picture 4">
             <a:extLst>
               <a:ext uri="{FF2B5EF4-FFF2-40B4-BE49-F238E27FC236}">
-                <a16:creationId xmlns:a16="http://schemas.microsoft.com/office/drawing/2014/main" xmlns="" id="{D4EEE908-DA96-4B16-B99B-24FC99637CE4}"/>
+                <a16:creationId xmlns:a16="http://schemas.microsoft.com/office/drawing/2014/main" id="{D4EEE908-DA96-4B16-B99B-24FC99637CE4}"/>
               </a:ext>
             </a:extLst>
           </p:cNvPr>
@@ -4309,7 +4635,7 @@
           <p:cNvPr id="7" name="Picture 6">
             <a:extLst>
               <a:ext uri="{FF2B5EF4-FFF2-40B4-BE49-F238E27FC236}">
-                <a16:creationId xmlns:a16="http://schemas.microsoft.com/office/drawing/2014/main" xmlns="" id="{E341461E-8FAE-4D31-B735-079F377037F0}"/>
+                <a16:creationId xmlns:a16="http://schemas.microsoft.com/office/drawing/2014/main" id="{E341461E-8FAE-4D31-B735-079F377037F0}"/>
               </a:ext>
             </a:extLst>
           </p:cNvPr>
@@ -4343,7 +4669,7 @@
           <p:cNvPr id="9" name="Picture 8">
             <a:extLst>
               <a:ext uri="{FF2B5EF4-FFF2-40B4-BE49-F238E27FC236}">
-                <a16:creationId xmlns:a16="http://schemas.microsoft.com/office/drawing/2014/main" xmlns="" id="{0EF0BC31-465B-4BF6-B120-2068796EDDDA}"/>
+                <a16:creationId xmlns:a16="http://schemas.microsoft.com/office/drawing/2014/main" id="{0EF0BC31-465B-4BF6-B120-2068796EDDDA}"/>
               </a:ext>
             </a:extLst>
           </p:cNvPr>
@@ -4378,7 +4704,7 @@
           <p:cNvPr id="11" name="Picture 10">
             <a:extLst>
               <a:ext uri="{FF2B5EF4-FFF2-40B4-BE49-F238E27FC236}">
-                <a16:creationId xmlns:a16="http://schemas.microsoft.com/office/drawing/2014/main" xmlns="" id="{C4FECE49-C0FF-4771-91FC-C73F2942D5F5}"/>
+                <a16:creationId xmlns:a16="http://schemas.microsoft.com/office/drawing/2014/main" id="{C4FECE49-C0FF-4771-91FC-C73F2942D5F5}"/>
               </a:ext>
             </a:extLst>
           </p:cNvPr>
@@ -4413,7 +4739,7 @@
           <p:cNvPr id="13" name="Picture 12">
             <a:extLst>
               <a:ext uri="{FF2B5EF4-FFF2-40B4-BE49-F238E27FC236}">
-                <a16:creationId xmlns:a16="http://schemas.microsoft.com/office/drawing/2014/main" xmlns="" id="{7BBC8635-9AB4-4B8B-AC80-C066CA675896}"/>
+                <a16:creationId xmlns:a16="http://schemas.microsoft.com/office/drawing/2014/main" id="{7BBC8635-9AB4-4B8B-AC80-C066CA675896}"/>
               </a:ext>
             </a:extLst>
           </p:cNvPr>
@@ -4448,7 +4774,7 @@
           <p:cNvPr id="14" name="Rectangle 13">
             <a:extLst>
               <a:ext uri="{FF2B5EF4-FFF2-40B4-BE49-F238E27FC236}">
-                <a16:creationId xmlns:a16="http://schemas.microsoft.com/office/drawing/2014/main" xmlns="" id="{D6CD2997-037A-4E7F-9841-289532E4B0D8}"/>
+                <a16:creationId xmlns:a16="http://schemas.microsoft.com/office/drawing/2014/main" id="{D6CD2997-037A-4E7F-9841-289532E4B0D8}"/>
               </a:ext>
             </a:extLst>
           </p:cNvPr>
@@ -4529,7 +4855,7 @@
           <p:cNvPr id="15" name="Rectangle 14">
             <a:extLst>
               <a:ext uri="{FF2B5EF4-FFF2-40B4-BE49-F238E27FC236}">
-                <a16:creationId xmlns:a16="http://schemas.microsoft.com/office/drawing/2014/main" xmlns="" id="{4736A5D2-364B-4B14-B985-961069B8AE2C}"/>
+                <a16:creationId xmlns:a16="http://schemas.microsoft.com/office/drawing/2014/main" id="{4736A5D2-364B-4B14-B985-961069B8AE2C}"/>
               </a:ext>
             </a:extLst>
           </p:cNvPr>
@@ -4640,7 +4966,7 @@
           <p:cNvPr id="4" name="Picture 3">
             <a:extLst>
               <a:ext uri="{FF2B5EF4-FFF2-40B4-BE49-F238E27FC236}">
-                <a16:creationId xmlns:a16="http://schemas.microsoft.com/office/drawing/2014/main" xmlns="" id="{ACAECB8E-E1F0-4D38-A1C1-7E133316B50E}"/>
+                <a16:creationId xmlns:a16="http://schemas.microsoft.com/office/drawing/2014/main" id="{ACAECB8E-E1F0-4D38-A1C1-7E133316B50E}"/>
               </a:ext>
             </a:extLst>
           </p:cNvPr>
@@ -4675,7 +5001,7 @@
           <p:cNvPr id="5" name="Rectangle 4">
             <a:extLst>
               <a:ext uri="{FF2B5EF4-FFF2-40B4-BE49-F238E27FC236}">
-                <a16:creationId xmlns:a16="http://schemas.microsoft.com/office/drawing/2014/main" xmlns="" id="{2B93B236-962A-414D-B955-87FC55533B48}"/>
+                <a16:creationId xmlns:a16="http://schemas.microsoft.com/office/drawing/2014/main" id="{2B93B236-962A-414D-B955-87FC55533B48}"/>
               </a:ext>
             </a:extLst>
           </p:cNvPr>
@@ -4756,7 +5082,7 @@
           <p:cNvPr id="6" name="Rectangle 5">
             <a:extLst>
               <a:ext uri="{FF2B5EF4-FFF2-40B4-BE49-F238E27FC236}">
-                <a16:creationId xmlns:a16="http://schemas.microsoft.com/office/drawing/2014/main" xmlns="" id="{F7089D39-BFEC-4BE2-BE48-04F3E29FF41F}"/>
+                <a16:creationId xmlns:a16="http://schemas.microsoft.com/office/drawing/2014/main" id="{F7089D39-BFEC-4BE2-BE48-04F3E29FF41F}"/>
               </a:ext>
             </a:extLst>
           </p:cNvPr>
@@ -4837,7 +5163,7 @@
           <p:cNvPr id="8" name="Picture 7">
             <a:extLst>
               <a:ext uri="{FF2B5EF4-FFF2-40B4-BE49-F238E27FC236}">
-                <a16:creationId xmlns:a16="http://schemas.microsoft.com/office/drawing/2014/main" xmlns="" id="{D4025914-2446-4D2F-B593-B6643E37F0BF}"/>
+                <a16:creationId xmlns:a16="http://schemas.microsoft.com/office/drawing/2014/main" id="{D4025914-2446-4D2F-B593-B6643E37F0BF}"/>
               </a:ext>
             </a:extLst>
           </p:cNvPr>
@@ -4872,7 +5198,7 @@
           <p:cNvPr id="10" name="Picture 9">
             <a:extLst>
               <a:ext uri="{FF2B5EF4-FFF2-40B4-BE49-F238E27FC236}">
-                <a16:creationId xmlns:a16="http://schemas.microsoft.com/office/drawing/2014/main" xmlns="" id="{AB1BF3ED-A30B-45F0-9406-1570F87A0CB8}"/>
+                <a16:creationId xmlns:a16="http://schemas.microsoft.com/office/drawing/2014/main" id="{AB1BF3ED-A30B-45F0-9406-1570F87A0CB8}"/>
               </a:ext>
             </a:extLst>
           </p:cNvPr>
@@ -4906,7 +5232,7 @@
           <p:cNvPr id="11" name="Rectangle 10">
             <a:extLst>
               <a:ext uri="{FF2B5EF4-FFF2-40B4-BE49-F238E27FC236}">
-                <a16:creationId xmlns:a16="http://schemas.microsoft.com/office/drawing/2014/main" xmlns="" id="{CA50FCFF-87A7-49A0-8AC2-2731BD30D143}"/>
+                <a16:creationId xmlns:a16="http://schemas.microsoft.com/office/drawing/2014/main" id="{CA50FCFF-87A7-49A0-8AC2-2731BD30D143}"/>
               </a:ext>
             </a:extLst>
           </p:cNvPr>
@@ -4987,7 +5313,7 @@
           <p:cNvPr id="12" name="Rectangle 11">
             <a:extLst>
               <a:ext uri="{FF2B5EF4-FFF2-40B4-BE49-F238E27FC236}">
-                <a16:creationId xmlns:a16="http://schemas.microsoft.com/office/drawing/2014/main" xmlns="" id="{ADCA0784-1744-430D-8A5D-B88E290ACFE1}"/>
+                <a16:creationId xmlns:a16="http://schemas.microsoft.com/office/drawing/2014/main" id="{ADCA0784-1744-430D-8A5D-B88E290ACFE1}"/>
               </a:ext>
             </a:extLst>
           </p:cNvPr>
@@ -5068,7 +5394,7 @@
           <p:cNvPr id="14" name="Picture 13">
             <a:extLst>
               <a:ext uri="{FF2B5EF4-FFF2-40B4-BE49-F238E27FC236}">
-                <a16:creationId xmlns:a16="http://schemas.microsoft.com/office/drawing/2014/main" xmlns="" id="{4F368944-58F4-440E-81DE-45511E288285}"/>
+                <a16:creationId xmlns:a16="http://schemas.microsoft.com/office/drawing/2014/main" id="{4F368944-58F4-440E-81DE-45511E288285}"/>
               </a:ext>
             </a:extLst>
           </p:cNvPr>
@@ -5102,7 +5428,7 @@
           <p:cNvPr id="16" name="Picture 15">
             <a:extLst>
               <a:ext uri="{FF2B5EF4-FFF2-40B4-BE49-F238E27FC236}">
-                <a16:creationId xmlns:a16="http://schemas.microsoft.com/office/drawing/2014/main" xmlns="" id="{3938D1FD-735E-459C-A111-666FA6D2BD54}"/>
+                <a16:creationId xmlns:a16="http://schemas.microsoft.com/office/drawing/2014/main" id="{3938D1FD-735E-459C-A111-666FA6D2BD54}"/>
               </a:ext>
             </a:extLst>
           </p:cNvPr>
@@ -5166,7 +5492,7 @@
           <p:cNvPr id="3" name="Picture 2">
             <a:extLst>
               <a:ext uri="{FF2B5EF4-FFF2-40B4-BE49-F238E27FC236}">
-                <a16:creationId xmlns:a16="http://schemas.microsoft.com/office/drawing/2014/main" xmlns="" id="{CD6C3117-909C-4CD7-81AE-1BD827B43514}"/>
+                <a16:creationId xmlns:a16="http://schemas.microsoft.com/office/drawing/2014/main" id="{CD6C3117-909C-4CD7-81AE-1BD827B43514}"/>
               </a:ext>
             </a:extLst>
           </p:cNvPr>
@@ -5200,7 +5526,7 @@
           <p:cNvPr id="5" name="Picture 4">
             <a:extLst>
               <a:ext uri="{FF2B5EF4-FFF2-40B4-BE49-F238E27FC236}">
-                <a16:creationId xmlns:a16="http://schemas.microsoft.com/office/drawing/2014/main" xmlns="" id="{9AB9EFFE-B878-481D-87E1-0B7C6B3F2366}"/>
+                <a16:creationId xmlns:a16="http://schemas.microsoft.com/office/drawing/2014/main" id="{9AB9EFFE-B878-481D-87E1-0B7C6B3F2366}"/>
               </a:ext>
             </a:extLst>
           </p:cNvPr>
@@ -5234,7 +5560,7 @@
           <p:cNvPr id="7" name="Picture 6">
             <a:extLst>
               <a:ext uri="{FF2B5EF4-FFF2-40B4-BE49-F238E27FC236}">
-                <a16:creationId xmlns:a16="http://schemas.microsoft.com/office/drawing/2014/main" xmlns="" id="{A1C47539-6366-466B-862A-2B2D83B49CB8}"/>
+                <a16:creationId xmlns:a16="http://schemas.microsoft.com/office/drawing/2014/main" id="{A1C47539-6366-466B-862A-2B2D83B49CB8}"/>
               </a:ext>
             </a:extLst>
           </p:cNvPr>
@@ -5269,7 +5595,7 @@
           <p:cNvPr id="9" name="Picture 8">
             <a:extLst>
               <a:ext uri="{FF2B5EF4-FFF2-40B4-BE49-F238E27FC236}">
-                <a16:creationId xmlns:a16="http://schemas.microsoft.com/office/drawing/2014/main" xmlns="" id="{0C6F598B-27CD-4B9B-BAAD-ED07CA8F4B53}"/>
+                <a16:creationId xmlns:a16="http://schemas.microsoft.com/office/drawing/2014/main" id="{0C6F598B-27CD-4B9B-BAAD-ED07CA8F4B53}"/>
               </a:ext>
             </a:extLst>
           </p:cNvPr>
@@ -5303,7 +5629,7 @@
           <p:cNvPr id="11" name="Picture 10">
             <a:extLst>
               <a:ext uri="{FF2B5EF4-FFF2-40B4-BE49-F238E27FC236}">
-                <a16:creationId xmlns:a16="http://schemas.microsoft.com/office/drawing/2014/main" xmlns="" id="{9DC7774E-243D-42A6-87C6-083A3A9524B4}"/>
+                <a16:creationId xmlns:a16="http://schemas.microsoft.com/office/drawing/2014/main" id="{9DC7774E-243D-42A6-87C6-083A3A9524B4}"/>
               </a:ext>
             </a:extLst>
           </p:cNvPr>
@@ -5338,7 +5664,7 @@
           <p:cNvPr id="12" name="Rectangle 11">
             <a:extLst>
               <a:ext uri="{FF2B5EF4-FFF2-40B4-BE49-F238E27FC236}">
-                <a16:creationId xmlns:a16="http://schemas.microsoft.com/office/drawing/2014/main" xmlns="" id="{62D5144C-D1F0-4D79-8DF7-3632EA490841}"/>
+                <a16:creationId xmlns:a16="http://schemas.microsoft.com/office/drawing/2014/main" id="{62D5144C-D1F0-4D79-8DF7-3632EA490841}"/>
               </a:ext>
             </a:extLst>
           </p:cNvPr>
@@ -5419,7 +5745,7 @@
           <p:cNvPr id="13" name="Rectangle 12">
             <a:extLst>
               <a:ext uri="{FF2B5EF4-FFF2-40B4-BE49-F238E27FC236}">
-                <a16:creationId xmlns:a16="http://schemas.microsoft.com/office/drawing/2014/main" xmlns="" id="{9EEE1A4C-6BDB-4CB5-B06F-3304236DCA75}"/>
+                <a16:creationId xmlns:a16="http://schemas.microsoft.com/office/drawing/2014/main" id="{9EEE1A4C-6BDB-4CB5-B06F-3304236DCA75}"/>
               </a:ext>
             </a:extLst>
           </p:cNvPr>
@@ -5500,7 +5826,7 @@
           <p:cNvPr id="15" name="Straight Arrow Connector 14">
             <a:extLst>
               <a:ext uri="{FF2B5EF4-FFF2-40B4-BE49-F238E27FC236}">
-                <a16:creationId xmlns:a16="http://schemas.microsoft.com/office/drawing/2014/main" xmlns="" id="{058AE2E4-43C9-4DBA-898F-730D3008DBB9}"/>
+                <a16:creationId xmlns:a16="http://schemas.microsoft.com/office/drawing/2014/main" id="{058AE2E4-43C9-4DBA-898F-730D3008DBB9}"/>
               </a:ext>
             </a:extLst>
           </p:cNvPr>
@@ -5572,7 +5898,7 @@
           <p:cNvPr id="3" name="Picture 2">
             <a:extLst>
               <a:ext uri="{FF2B5EF4-FFF2-40B4-BE49-F238E27FC236}">
-                <a16:creationId xmlns:a16="http://schemas.microsoft.com/office/drawing/2014/main" xmlns="" id="{EA6ED5EC-ACFB-4308-A873-940E5E2CCE4F}"/>
+                <a16:creationId xmlns:a16="http://schemas.microsoft.com/office/drawing/2014/main" id="{EA6ED5EC-ACFB-4308-A873-940E5E2CCE4F}"/>
               </a:ext>
             </a:extLst>
           </p:cNvPr>
@@ -5607,7 +5933,7 @@
           <p:cNvPr id="4" name="Rectangle 3">
             <a:extLst>
               <a:ext uri="{FF2B5EF4-FFF2-40B4-BE49-F238E27FC236}">
-                <a16:creationId xmlns:a16="http://schemas.microsoft.com/office/drawing/2014/main" xmlns="" id="{790330B3-15C3-4F63-935C-D3EB49A98A73}"/>
+                <a16:creationId xmlns:a16="http://schemas.microsoft.com/office/drawing/2014/main" id="{790330B3-15C3-4F63-935C-D3EB49A98A73}"/>
               </a:ext>
             </a:extLst>
           </p:cNvPr>
@@ -5688,7 +6014,7 @@
           <p:cNvPr id="9" name="Rectangle 8">
             <a:extLst>
               <a:ext uri="{FF2B5EF4-FFF2-40B4-BE49-F238E27FC236}">
-                <a16:creationId xmlns:a16="http://schemas.microsoft.com/office/drawing/2014/main" xmlns="" id="{BBF92B77-428E-4FE1-863F-BC9A4AE9FE8F}"/>
+                <a16:creationId xmlns:a16="http://schemas.microsoft.com/office/drawing/2014/main" id="{BBF92B77-428E-4FE1-863F-BC9A4AE9FE8F}"/>
               </a:ext>
             </a:extLst>
           </p:cNvPr>
@@ -5769,7 +6095,7 @@
           <p:cNvPr id="10" name="Rectangle 9">
             <a:extLst>
               <a:ext uri="{FF2B5EF4-FFF2-40B4-BE49-F238E27FC236}">
-                <a16:creationId xmlns:a16="http://schemas.microsoft.com/office/drawing/2014/main" xmlns="" id="{FD7E6A2A-268A-456D-9338-25D4446C76DF}"/>
+                <a16:creationId xmlns:a16="http://schemas.microsoft.com/office/drawing/2014/main" id="{FD7E6A2A-268A-456D-9338-25D4446C76DF}"/>
               </a:ext>
             </a:extLst>
           </p:cNvPr>
@@ -5880,7 +6206,7 @@
           <p:cNvPr id="5" name="Picture 4">
             <a:extLst>
               <a:ext uri="{FF2B5EF4-FFF2-40B4-BE49-F238E27FC236}">
-                <a16:creationId xmlns:a16="http://schemas.microsoft.com/office/drawing/2014/main" xmlns="" id="{93AE110E-5E41-4C6C-AB35-C774404B11AD}"/>
+                <a16:creationId xmlns:a16="http://schemas.microsoft.com/office/drawing/2014/main" id="{93AE110E-5E41-4C6C-AB35-C774404B11AD}"/>
               </a:ext>
             </a:extLst>
           </p:cNvPr>
@@ -5915,7 +6241,7 @@
           <p:cNvPr id="7" name="Picture 6">
             <a:extLst>
               <a:ext uri="{FF2B5EF4-FFF2-40B4-BE49-F238E27FC236}">
-                <a16:creationId xmlns:a16="http://schemas.microsoft.com/office/drawing/2014/main" xmlns="" id="{447ABEEB-3C28-4249-B2D8-79111E9DA1F6}"/>
+                <a16:creationId xmlns:a16="http://schemas.microsoft.com/office/drawing/2014/main" id="{447ABEEB-3C28-4249-B2D8-79111E9DA1F6}"/>
               </a:ext>
             </a:extLst>
           </p:cNvPr>
@@ -5950,7 +6276,7 @@
           <p:cNvPr id="8" name="Rectangle 7">
             <a:extLst>
               <a:ext uri="{FF2B5EF4-FFF2-40B4-BE49-F238E27FC236}">
-                <a16:creationId xmlns:a16="http://schemas.microsoft.com/office/drawing/2014/main" xmlns="" id="{F5C8CADF-DAF7-48CA-B871-A75FDACEF77B}"/>
+                <a16:creationId xmlns:a16="http://schemas.microsoft.com/office/drawing/2014/main" id="{F5C8CADF-DAF7-48CA-B871-A75FDACEF77B}"/>
               </a:ext>
             </a:extLst>
           </p:cNvPr>
@@ -6031,7 +6357,7 @@
           <p:cNvPr id="9" name="Rectangle 8">
             <a:extLst>
               <a:ext uri="{FF2B5EF4-FFF2-40B4-BE49-F238E27FC236}">
-                <a16:creationId xmlns:a16="http://schemas.microsoft.com/office/drawing/2014/main" xmlns="" id="{6B692AE4-7E63-4102-9E1F-51373DFC332E}"/>
+                <a16:creationId xmlns:a16="http://schemas.microsoft.com/office/drawing/2014/main" id="{6B692AE4-7E63-4102-9E1F-51373DFC332E}"/>
               </a:ext>
             </a:extLst>
           </p:cNvPr>
@@ -6112,7 +6438,7 @@
           <p:cNvPr id="10" name="Rectangle 9">
             <a:extLst>
               <a:ext uri="{FF2B5EF4-FFF2-40B4-BE49-F238E27FC236}">
-                <a16:creationId xmlns:a16="http://schemas.microsoft.com/office/drawing/2014/main" xmlns="" id="{0974CEC0-389E-4114-8A4C-906337E63F9D}"/>
+                <a16:creationId xmlns:a16="http://schemas.microsoft.com/office/drawing/2014/main" id="{0974CEC0-389E-4114-8A4C-906337E63F9D}"/>
               </a:ext>
             </a:extLst>
           </p:cNvPr>
@@ -6193,7 +6519,7 @@
           <p:cNvPr id="11" name="Rectangle 10">
             <a:extLst>
               <a:ext uri="{FF2B5EF4-FFF2-40B4-BE49-F238E27FC236}">
-                <a16:creationId xmlns:a16="http://schemas.microsoft.com/office/drawing/2014/main" xmlns="" id="{B46CADD7-6481-4B0D-AF70-F3A1CC8B375F}"/>
+                <a16:creationId xmlns:a16="http://schemas.microsoft.com/office/drawing/2014/main" id="{B46CADD7-6481-4B0D-AF70-F3A1CC8B375F}"/>
               </a:ext>
             </a:extLst>
           </p:cNvPr>
@@ -6274,7 +6600,7 @@
           <p:cNvPr id="12" name="Rectangle 11">
             <a:extLst>
               <a:ext uri="{FF2B5EF4-FFF2-40B4-BE49-F238E27FC236}">
-                <a16:creationId xmlns:a16="http://schemas.microsoft.com/office/drawing/2014/main" xmlns="" id="{5C930C52-59DC-4878-B829-71A57A1A69D9}"/>
+                <a16:creationId xmlns:a16="http://schemas.microsoft.com/office/drawing/2014/main" id="{5C930C52-59DC-4878-B829-71A57A1A69D9}"/>
               </a:ext>
             </a:extLst>
           </p:cNvPr>
@@ -6355,7 +6681,7 @@
           <p:cNvPr id="13" name="Rectangle 12">
             <a:extLst>
               <a:ext uri="{FF2B5EF4-FFF2-40B4-BE49-F238E27FC236}">
-                <a16:creationId xmlns:a16="http://schemas.microsoft.com/office/drawing/2014/main" xmlns="" id="{53EBCD02-3EC7-4AE5-96FE-54E4645240F5}"/>
+                <a16:creationId xmlns:a16="http://schemas.microsoft.com/office/drawing/2014/main" id="{53EBCD02-3EC7-4AE5-96FE-54E4645240F5}"/>
               </a:ext>
             </a:extLst>
           </p:cNvPr>
@@ -6436,7 +6762,7 @@
           <p:cNvPr id="14" name="Rectangle 13">
             <a:extLst>
               <a:ext uri="{FF2B5EF4-FFF2-40B4-BE49-F238E27FC236}">
-                <a16:creationId xmlns:a16="http://schemas.microsoft.com/office/drawing/2014/main" xmlns="" id="{FCBCD83E-43E2-42D1-871B-69587955A6FD}"/>
+                <a16:creationId xmlns:a16="http://schemas.microsoft.com/office/drawing/2014/main" id="{FCBCD83E-43E2-42D1-871B-69587955A6FD}"/>
               </a:ext>
             </a:extLst>
           </p:cNvPr>
@@ -6517,7 +6843,7 @@
           <p:cNvPr id="15" name="Rectangle 14">
             <a:extLst>
               <a:ext uri="{FF2B5EF4-FFF2-40B4-BE49-F238E27FC236}">
-                <a16:creationId xmlns:a16="http://schemas.microsoft.com/office/drawing/2014/main" xmlns="" id="{1E13602F-083E-4BC9-BE91-7F03BE484A72}"/>
+                <a16:creationId xmlns:a16="http://schemas.microsoft.com/office/drawing/2014/main" id="{1E13602F-083E-4BC9-BE91-7F03BE484A72}"/>
               </a:ext>
             </a:extLst>
           </p:cNvPr>
@@ -6628,7 +6954,7 @@
           <p:cNvPr id="4" name="TextBox 3">
             <a:extLst>
               <a:ext uri="{FF2B5EF4-FFF2-40B4-BE49-F238E27FC236}">
-                <a16:creationId xmlns:a16="http://schemas.microsoft.com/office/drawing/2014/main" xmlns="" id="{8A846613-F737-424A-9262-A2D043556F07}"/>
+                <a16:creationId xmlns:a16="http://schemas.microsoft.com/office/drawing/2014/main" id="{8A846613-F737-424A-9262-A2D043556F07}"/>
               </a:ext>
             </a:extLst>
           </p:cNvPr>
@@ -6693,7 +7019,7 @@
           <p:cNvPr id="5" name="Picture 4">
             <a:extLst>
               <a:ext uri="{FF2B5EF4-FFF2-40B4-BE49-F238E27FC236}">
-                <a16:creationId xmlns:a16="http://schemas.microsoft.com/office/drawing/2014/main" xmlns="" id="{0502022F-B47A-4179-8347-3B12C67EFD28}"/>
+                <a16:creationId xmlns:a16="http://schemas.microsoft.com/office/drawing/2014/main" id="{0502022F-B47A-4179-8347-3B12C67EFD28}"/>
               </a:ext>
             </a:extLst>
           </p:cNvPr>
